--- a/03_day.pptx
+++ b/03_day.pptx
@@ -21,6 +21,8 @@
     <p:sldId id="269" r:id="rId15"/>
     <p:sldId id="270" r:id="rId16"/>
     <p:sldId id="271" r:id="rId17"/>
+    <p:sldId id="272" r:id="rId18"/>
+    <p:sldId id="273" r:id="rId19"/>
   </p:sldIdLst>
   <p:sldSz cx="9144000" cy="6858000" type="screen4x3"/>
   <p:notesSz cx="6858000" cy="9144000"/>
@@ -18239,7 +18241,7 @@
         </p:nvSpPr>
         <p:spPr>
           <a:xfrm>
-            <a:off x="1914972" y="1772816"/>
+            <a:off x="1881094" y="1700808"/>
             <a:ext cx="432048" cy="432048"/>
           </a:xfrm>
           <a:prstGeom prst="ellipse">
@@ -18358,8 +18360,8 @@
         </p:nvCxnSpPr>
         <p:spPr>
           <a:xfrm flipH="1">
-            <a:off x="2130996" y="1421512"/>
-            <a:ext cx="272028" cy="351304"/>
+            <a:off x="2097118" y="1421512"/>
+            <a:ext cx="305906" cy="279296"/>
           </a:xfrm>
           <a:prstGeom prst="line">
             <a:avLst/>
@@ -18454,10 +18456,2883 @@
           </a:p>
         </p:txBody>
       </p:sp>
+      <p:sp>
+        <p:nvSpPr>
+          <p:cNvPr id="20" name="타원 19">
+            <a:extLst>
+              <a:ext uri="{FF2B5EF4-FFF2-40B4-BE49-F238E27FC236}">
+                <a16:creationId xmlns:a16="http://schemas.microsoft.com/office/drawing/2014/main" id="{CCA8A07E-4D28-489A-94F0-230FDD8B046B}"/>
+              </a:ext>
+            </a:extLst>
+          </p:cNvPr>
+          <p:cNvSpPr/>
+          <p:nvPr/>
+        </p:nvSpPr>
+        <p:spPr>
+          <a:xfrm>
+            <a:off x="3059832" y="2499772"/>
+            <a:ext cx="432048" cy="432048"/>
+          </a:xfrm>
+          <a:prstGeom prst="ellipse">
+            <a:avLst/>
+          </a:prstGeom>
+          <a:solidFill>
+            <a:srgbClr val="FF0000"/>
+          </a:solidFill>
+          <a:ln w="9525"/>
+        </p:spPr>
+        <p:style>
+          <a:lnRef idx="2">
+            <a:schemeClr val="accent1">
+              <a:shade val="50000"/>
+            </a:schemeClr>
+          </a:lnRef>
+          <a:fillRef idx="1">
+            <a:schemeClr val="accent1"/>
+          </a:fillRef>
+          <a:effectRef idx="0">
+            <a:schemeClr val="accent1"/>
+          </a:effectRef>
+          <a:fontRef idx="minor">
+            <a:schemeClr val="lt1"/>
+          </a:fontRef>
+        </p:style>
+        <p:txBody>
+          <a:bodyPr rot="0" spcFirstLastPara="0" vertOverflow="overflow" horzOverflow="overflow" vert="horz" wrap="square" lIns="91440" tIns="45720" rIns="91440" bIns="45720" numCol="1" spcCol="0" rtlCol="0" fromWordArt="0" anchor="ctr" anchorCtr="0" forceAA="0" compatLnSpc="1">
+            <a:prstTxWarp prst="textNoShape">
+              <a:avLst/>
+            </a:prstTxWarp>
+            <a:noAutofit/>
+          </a:bodyPr>
+          <a:lstStyle/>
+          <a:p>
+            <a:pPr algn="ctr"/>
+            <a:r>
+              <a:rPr lang="en-US" altLang="ko-KR" sz="2000" b="1">
+                <a:solidFill>
+                  <a:schemeClr val="bg1"/>
+                </a:solidFill>
+                <a:latin typeface="Consolas" pitchFamily="49" charset="0"/>
+                <a:cs typeface="Consolas" pitchFamily="49" charset="0"/>
+              </a:rPr>
+              <a:t>1</a:t>
+            </a:r>
+            <a:endParaRPr lang="ko-KR" altLang="en-US" sz="2000" b="1">
+              <a:solidFill>
+                <a:schemeClr val="bg1"/>
+              </a:solidFill>
+              <a:latin typeface="Consolas" pitchFamily="49" charset="0"/>
+              <a:cs typeface="Consolas" pitchFamily="49" charset="0"/>
+            </a:endParaRPr>
+          </a:p>
+        </p:txBody>
+      </p:sp>
+      <p:sp>
+        <p:nvSpPr>
+          <p:cNvPr id="21" name="타원 20">
+            <a:extLst>
+              <a:ext uri="{FF2B5EF4-FFF2-40B4-BE49-F238E27FC236}">
+                <a16:creationId xmlns:a16="http://schemas.microsoft.com/office/drawing/2014/main" id="{C23A6155-040E-43D3-816D-51B7672461AA}"/>
+              </a:ext>
+            </a:extLst>
+          </p:cNvPr>
+          <p:cNvSpPr/>
+          <p:nvPr/>
+        </p:nvSpPr>
+        <p:spPr>
+          <a:xfrm>
+            <a:off x="4036760" y="1700808"/>
+            <a:ext cx="432048" cy="432048"/>
+          </a:xfrm>
+          <a:prstGeom prst="ellipse">
+            <a:avLst/>
+          </a:prstGeom>
+          <a:solidFill>
+            <a:schemeClr val="tx1"/>
+          </a:solidFill>
+          <a:ln w="9525"/>
+        </p:spPr>
+        <p:style>
+          <a:lnRef idx="2">
+            <a:schemeClr val="accent1">
+              <a:shade val="50000"/>
+            </a:schemeClr>
+          </a:lnRef>
+          <a:fillRef idx="1">
+            <a:schemeClr val="accent1"/>
+          </a:fillRef>
+          <a:effectRef idx="0">
+            <a:schemeClr val="accent1"/>
+          </a:effectRef>
+          <a:fontRef idx="minor">
+            <a:schemeClr val="lt1"/>
+          </a:fontRef>
+        </p:style>
+        <p:txBody>
+          <a:bodyPr rot="0" spcFirstLastPara="0" vertOverflow="overflow" horzOverflow="overflow" vert="horz" wrap="square" lIns="91440" tIns="45720" rIns="91440" bIns="45720" numCol="1" spcCol="0" rtlCol="0" fromWordArt="0" anchor="ctr" anchorCtr="0" forceAA="0" compatLnSpc="1">
+            <a:prstTxWarp prst="textNoShape">
+              <a:avLst/>
+            </a:prstTxWarp>
+            <a:noAutofit/>
+          </a:bodyPr>
+          <a:lstStyle/>
+          <a:p>
+            <a:pPr algn="ctr"/>
+            <a:r>
+              <a:rPr lang="en-US" altLang="ko-KR" sz="2000" b="1">
+                <a:solidFill>
+                  <a:schemeClr val="bg1"/>
+                </a:solidFill>
+                <a:latin typeface="Consolas" pitchFamily="49" charset="0"/>
+                <a:cs typeface="Consolas" pitchFamily="49" charset="0"/>
+              </a:rPr>
+              <a:t>3</a:t>
+            </a:r>
+            <a:endParaRPr lang="ko-KR" altLang="en-US" sz="2000" b="1">
+              <a:solidFill>
+                <a:schemeClr val="bg1"/>
+              </a:solidFill>
+              <a:latin typeface="Consolas" pitchFamily="49" charset="0"/>
+              <a:cs typeface="Consolas" pitchFamily="49" charset="0"/>
+            </a:endParaRPr>
+          </a:p>
+        </p:txBody>
+      </p:sp>
+      <p:sp>
+        <p:nvSpPr>
+          <p:cNvPr id="22" name="타원 21">
+            <a:extLst>
+              <a:ext uri="{FF2B5EF4-FFF2-40B4-BE49-F238E27FC236}">
+                <a16:creationId xmlns:a16="http://schemas.microsoft.com/office/drawing/2014/main" id="{F5D0BADA-E6D1-4C7B-89AC-4D72992B5605}"/>
+              </a:ext>
+            </a:extLst>
+          </p:cNvPr>
+          <p:cNvSpPr/>
+          <p:nvPr/>
+        </p:nvSpPr>
+        <p:spPr>
+          <a:xfrm>
+            <a:off x="3604712" y="3084572"/>
+            <a:ext cx="432048" cy="432048"/>
+          </a:xfrm>
+          <a:prstGeom prst="ellipse">
+            <a:avLst/>
+          </a:prstGeom>
+          <a:solidFill>
+            <a:srgbClr val="FF0000"/>
+          </a:solidFill>
+          <a:ln w="9525"/>
+        </p:spPr>
+        <p:style>
+          <a:lnRef idx="2">
+            <a:schemeClr val="accent1">
+              <a:shade val="50000"/>
+            </a:schemeClr>
+          </a:lnRef>
+          <a:fillRef idx="1">
+            <a:schemeClr val="accent1"/>
+          </a:fillRef>
+          <a:effectRef idx="0">
+            <a:schemeClr val="accent1"/>
+          </a:effectRef>
+          <a:fontRef idx="minor">
+            <a:schemeClr val="lt1"/>
+          </a:fontRef>
+        </p:style>
+        <p:txBody>
+          <a:bodyPr rot="0" spcFirstLastPara="0" vertOverflow="overflow" horzOverflow="overflow" vert="horz" wrap="square" lIns="91440" tIns="45720" rIns="91440" bIns="45720" numCol="1" spcCol="0" rtlCol="0" fromWordArt="0" anchor="ctr" anchorCtr="0" forceAA="0" compatLnSpc="1">
+            <a:prstTxWarp prst="textNoShape">
+              <a:avLst/>
+            </a:prstTxWarp>
+            <a:noAutofit/>
+          </a:bodyPr>
+          <a:lstStyle/>
+          <a:p>
+            <a:pPr algn="ctr"/>
+            <a:r>
+              <a:rPr lang="en-US" altLang="ko-KR" sz="2000" b="1">
+                <a:solidFill>
+                  <a:schemeClr val="bg1"/>
+                </a:solidFill>
+                <a:latin typeface="Consolas" pitchFamily="49" charset="0"/>
+                <a:cs typeface="Consolas" pitchFamily="49" charset="0"/>
+              </a:rPr>
+              <a:t>2</a:t>
+            </a:r>
+            <a:endParaRPr lang="ko-KR" altLang="en-US" sz="2000" b="1">
+              <a:solidFill>
+                <a:schemeClr val="bg1"/>
+              </a:solidFill>
+              <a:latin typeface="Consolas" pitchFamily="49" charset="0"/>
+              <a:cs typeface="Consolas" pitchFamily="49" charset="0"/>
+            </a:endParaRPr>
+          </a:p>
+        </p:txBody>
+      </p:sp>
+      <p:cxnSp>
+        <p:nvCxnSpPr>
+          <p:cNvPr id="23" name="직선 연결선 22">
+            <a:extLst>
+              <a:ext uri="{FF2B5EF4-FFF2-40B4-BE49-F238E27FC236}">
+                <a16:creationId xmlns:a16="http://schemas.microsoft.com/office/drawing/2014/main" id="{718A7676-0772-4A87-A2B2-2B79F359CFE7}"/>
+              </a:ext>
+            </a:extLst>
+          </p:cNvPr>
+          <p:cNvCxnSpPr>
+            <a:cxnSpLocks/>
+            <a:stCxn id="20" idx="0"/>
+            <a:endCxn id="21" idx="3"/>
+          </p:cNvCxnSpPr>
+          <p:nvPr/>
+        </p:nvCxnSpPr>
+        <p:spPr>
+          <a:xfrm flipV="1">
+            <a:off x="3275856" y="2069584"/>
+            <a:ext cx="824176" cy="430188"/>
+          </a:xfrm>
+          <a:prstGeom prst="line">
+            <a:avLst/>
+          </a:prstGeom>
+          <a:ln w="19050">
+            <a:solidFill>
+              <a:schemeClr val="tx1"/>
+            </a:solidFill>
+          </a:ln>
+        </p:spPr>
+        <p:style>
+          <a:lnRef idx="1">
+            <a:schemeClr val="accent1"/>
+          </a:lnRef>
+          <a:fillRef idx="0">
+            <a:schemeClr val="accent1"/>
+          </a:fillRef>
+          <a:effectRef idx="0">
+            <a:schemeClr val="accent1"/>
+          </a:effectRef>
+          <a:fontRef idx="minor">
+            <a:schemeClr val="tx1"/>
+          </a:fontRef>
+        </p:style>
+      </p:cxnSp>
+      <p:cxnSp>
+        <p:nvCxnSpPr>
+          <p:cNvPr id="24" name="직선 연결선 23">
+            <a:extLst>
+              <a:ext uri="{FF2B5EF4-FFF2-40B4-BE49-F238E27FC236}">
+                <a16:creationId xmlns:a16="http://schemas.microsoft.com/office/drawing/2014/main" id="{0D743D52-CB57-4854-AEB3-FF46554DC5A5}"/>
+              </a:ext>
+            </a:extLst>
+          </p:cNvPr>
+          <p:cNvCxnSpPr>
+            <a:cxnSpLocks/>
+            <a:stCxn id="20" idx="5"/>
+            <a:endCxn id="22" idx="0"/>
+          </p:cNvCxnSpPr>
+          <p:nvPr/>
+        </p:nvCxnSpPr>
+        <p:spPr>
+          <a:xfrm>
+            <a:off x="3428608" y="2868548"/>
+            <a:ext cx="392128" cy="216024"/>
+          </a:xfrm>
+          <a:prstGeom prst="line">
+            <a:avLst/>
+          </a:prstGeom>
+          <a:ln w="19050">
+            <a:solidFill>
+              <a:schemeClr val="tx1"/>
+            </a:solidFill>
+          </a:ln>
+        </p:spPr>
+        <p:style>
+          <a:lnRef idx="1">
+            <a:schemeClr val="accent1"/>
+          </a:lnRef>
+          <a:fillRef idx="0">
+            <a:schemeClr val="accent1"/>
+          </a:fillRef>
+          <a:effectRef idx="0">
+            <a:schemeClr val="accent1"/>
+          </a:effectRef>
+          <a:fontRef idx="minor">
+            <a:schemeClr val="tx1"/>
+          </a:fontRef>
+        </p:style>
+      </p:cxnSp>
+      <p:sp>
+        <p:nvSpPr>
+          <p:cNvPr id="32" name="타원 31">
+            <a:extLst>
+              <a:ext uri="{FF2B5EF4-FFF2-40B4-BE49-F238E27FC236}">
+                <a16:creationId xmlns:a16="http://schemas.microsoft.com/office/drawing/2014/main" id="{96081ED8-8A39-48CA-B93A-FEF9744B29BF}"/>
+              </a:ext>
+            </a:extLst>
+          </p:cNvPr>
+          <p:cNvSpPr/>
+          <p:nvPr/>
+        </p:nvSpPr>
+        <p:spPr>
+          <a:xfrm>
+            <a:off x="5067320" y="3530704"/>
+            <a:ext cx="432048" cy="432048"/>
+          </a:xfrm>
+          <a:prstGeom prst="ellipse">
+            <a:avLst/>
+          </a:prstGeom>
+          <a:solidFill>
+            <a:schemeClr val="tx1"/>
+          </a:solidFill>
+          <a:ln w="9525"/>
+        </p:spPr>
+        <p:style>
+          <a:lnRef idx="2">
+            <a:schemeClr val="accent1">
+              <a:shade val="50000"/>
+            </a:schemeClr>
+          </a:lnRef>
+          <a:fillRef idx="1">
+            <a:schemeClr val="accent1"/>
+          </a:fillRef>
+          <a:effectRef idx="0">
+            <a:schemeClr val="accent1"/>
+          </a:effectRef>
+          <a:fontRef idx="minor">
+            <a:schemeClr val="lt1"/>
+          </a:fontRef>
+        </p:style>
+        <p:txBody>
+          <a:bodyPr rot="0" spcFirstLastPara="0" vertOverflow="overflow" horzOverflow="overflow" vert="horz" wrap="square" lIns="91440" tIns="45720" rIns="91440" bIns="45720" numCol="1" spcCol="0" rtlCol="0" fromWordArt="0" anchor="ctr" anchorCtr="0" forceAA="0" compatLnSpc="1">
+            <a:prstTxWarp prst="textNoShape">
+              <a:avLst/>
+            </a:prstTxWarp>
+            <a:noAutofit/>
+          </a:bodyPr>
+          <a:lstStyle/>
+          <a:p>
+            <a:pPr algn="ctr"/>
+            <a:r>
+              <a:rPr lang="en-US" altLang="ko-KR" sz="2000" b="1">
+                <a:solidFill>
+                  <a:schemeClr val="bg1"/>
+                </a:solidFill>
+                <a:latin typeface="Consolas" pitchFamily="49" charset="0"/>
+                <a:cs typeface="Consolas" pitchFamily="49" charset="0"/>
+              </a:rPr>
+              <a:t>1</a:t>
+            </a:r>
+            <a:endParaRPr lang="ko-KR" altLang="en-US" sz="2000" b="1">
+              <a:solidFill>
+                <a:schemeClr val="bg1"/>
+              </a:solidFill>
+              <a:latin typeface="Consolas" pitchFamily="49" charset="0"/>
+              <a:cs typeface="Consolas" pitchFamily="49" charset="0"/>
+            </a:endParaRPr>
+          </a:p>
+        </p:txBody>
+      </p:sp>
+      <p:sp>
+        <p:nvSpPr>
+          <p:cNvPr id="33" name="타원 32">
+            <a:extLst>
+              <a:ext uri="{FF2B5EF4-FFF2-40B4-BE49-F238E27FC236}">
+                <a16:creationId xmlns:a16="http://schemas.microsoft.com/office/drawing/2014/main" id="{D92C1B23-2D6F-46BB-9F89-A2830E80C6C6}"/>
+              </a:ext>
+            </a:extLst>
+          </p:cNvPr>
+          <p:cNvSpPr/>
+          <p:nvPr/>
+        </p:nvSpPr>
+        <p:spPr>
+          <a:xfrm>
+            <a:off x="6104756" y="4170784"/>
+            <a:ext cx="432048" cy="432048"/>
+          </a:xfrm>
+          <a:prstGeom prst="ellipse">
+            <a:avLst/>
+          </a:prstGeom>
+          <a:solidFill>
+            <a:srgbClr val="FF0000"/>
+          </a:solidFill>
+          <a:ln w="9525"/>
+        </p:spPr>
+        <p:style>
+          <a:lnRef idx="2">
+            <a:schemeClr val="accent1">
+              <a:shade val="50000"/>
+            </a:schemeClr>
+          </a:lnRef>
+          <a:fillRef idx="1">
+            <a:schemeClr val="accent1"/>
+          </a:fillRef>
+          <a:effectRef idx="0">
+            <a:schemeClr val="accent1"/>
+          </a:effectRef>
+          <a:fontRef idx="minor">
+            <a:schemeClr val="lt1"/>
+          </a:fontRef>
+        </p:style>
+        <p:txBody>
+          <a:bodyPr rot="0" spcFirstLastPara="0" vertOverflow="overflow" horzOverflow="overflow" vert="horz" wrap="square" lIns="91440" tIns="45720" rIns="91440" bIns="45720" numCol="1" spcCol="0" rtlCol="0" fromWordArt="0" anchor="ctr" anchorCtr="0" forceAA="0" compatLnSpc="1">
+            <a:prstTxWarp prst="textNoShape">
+              <a:avLst/>
+            </a:prstTxWarp>
+            <a:noAutofit/>
+          </a:bodyPr>
+          <a:lstStyle/>
+          <a:p>
+            <a:pPr algn="ctr"/>
+            <a:r>
+              <a:rPr lang="en-US" altLang="ko-KR" sz="2000" b="1">
+                <a:solidFill>
+                  <a:schemeClr val="bg1"/>
+                </a:solidFill>
+                <a:latin typeface="Consolas" pitchFamily="49" charset="0"/>
+                <a:cs typeface="Consolas" pitchFamily="49" charset="0"/>
+              </a:rPr>
+              <a:t>3</a:t>
+            </a:r>
+            <a:endParaRPr lang="ko-KR" altLang="en-US" sz="2000" b="1">
+              <a:solidFill>
+                <a:schemeClr val="bg1"/>
+              </a:solidFill>
+              <a:latin typeface="Consolas" pitchFamily="49" charset="0"/>
+              <a:cs typeface="Consolas" pitchFamily="49" charset="0"/>
+            </a:endParaRPr>
+          </a:p>
+        </p:txBody>
+      </p:sp>
+      <p:sp>
+        <p:nvSpPr>
+          <p:cNvPr id="34" name="타원 33">
+            <a:extLst>
+              <a:ext uri="{FF2B5EF4-FFF2-40B4-BE49-F238E27FC236}">
+                <a16:creationId xmlns:a16="http://schemas.microsoft.com/office/drawing/2014/main" id="{F0CA8D2B-330A-4D50-8FE1-3C94A79EA066}"/>
+              </a:ext>
+            </a:extLst>
+          </p:cNvPr>
+          <p:cNvSpPr/>
+          <p:nvPr/>
+        </p:nvSpPr>
+        <p:spPr>
+          <a:xfrm>
+            <a:off x="5672708" y="4877856"/>
+            <a:ext cx="432048" cy="432048"/>
+          </a:xfrm>
+          <a:prstGeom prst="ellipse">
+            <a:avLst/>
+          </a:prstGeom>
+          <a:solidFill>
+            <a:srgbClr val="FF0000"/>
+          </a:solidFill>
+          <a:ln w="9525"/>
+        </p:spPr>
+        <p:style>
+          <a:lnRef idx="2">
+            <a:schemeClr val="accent1">
+              <a:shade val="50000"/>
+            </a:schemeClr>
+          </a:lnRef>
+          <a:fillRef idx="1">
+            <a:schemeClr val="accent1"/>
+          </a:fillRef>
+          <a:effectRef idx="0">
+            <a:schemeClr val="accent1"/>
+          </a:effectRef>
+          <a:fontRef idx="minor">
+            <a:schemeClr val="lt1"/>
+          </a:fontRef>
+        </p:style>
+        <p:txBody>
+          <a:bodyPr rot="0" spcFirstLastPara="0" vertOverflow="overflow" horzOverflow="overflow" vert="horz" wrap="square" lIns="91440" tIns="45720" rIns="91440" bIns="45720" numCol="1" spcCol="0" rtlCol="0" fromWordArt="0" anchor="ctr" anchorCtr="0" forceAA="0" compatLnSpc="1">
+            <a:prstTxWarp prst="textNoShape">
+              <a:avLst/>
+            </a:prstTxWarp>
+            <a:noAutofit/>
+          </a:bodyPr>
+          <a:lstStyle/>
+          <a:p>
+            <a:pPr algn="ctr"/>
+            <a:r>
+              <a:rPr lang="en-US" altLang="ko-KR" sz="2000" b="1">
+                <a:solidFill>
+                  <a:schemeClr val="bg1"/>
+                </a:solidFill>
+                <a:latin typeface="Consolas" pitchFamily="49" charset="0"/>
+                <a:cs typeface="Consolas" pitchFamily="49" charset="0"/>
+              </a:rPr>
+              <a:t>2</a:t>
+            </a:r>
+            <a:endParaRPr lang="ko-KR" altLang="en-US" sz="2000" b="1">
+              <a:solidFill>
+                <a:schemeClr val="bg1"/>
+              </a:solidFill>
+              <a:latin typeface="Consolas" pitchFamily="49" charset="0"/>
+              <a:cs typeface="Consolas" pitchFamily="49" charset="0"/>
+            </a:endParaRPr>
+          </a:p>
+        </p:txBody>
+      </p:sp>
+      <p:cxnSp>
+        <p:nvCxnSpPr>
+          <p:cNvPr id="35" name="직선 연결선 34">
+            <a:extLst>
+              <a:ext uri="{FF2B5EF4-FFF2-40B4-BE49-F238E27FC236}">
+                <a16:creationId xmlns:a16="http://schemas.microsoft.com/office/drawing/2014/main" id="{842CC43E-784A-4824-9CAB-A48EC6801D35}"/>
+              </a:ext>
+            </a:extLst>
+          </p:cNvPr>
+          <p:cNvCxnSpPr>
+            <a:cxnSpLocks/>
+            <a:stCxn id="32" idx="5"/>
+            <a:endCxn id="33" idx="0"/>
+          </p:cNvCxnSpPr>
+          <p:nvPr/>
+        </p:nvCxnSpPr>
+        <p:spPr>
+          <a:xfrm>
+            <a:off x="5436096" y="3899480"/>
+            <a:ext cx="884684" cy="271304"/>
+          </a:xfrm>
+          <a:prstGeom prst="line">
+            <a:avLst/>
+          </a:prstGeom>
+          <a:ln w="19050">
+            <a:solidFill>
+              <a:schemeClr val="tx1"/>
+            </a:solidFill>
+          </a:ln>
+        </p:spPr>
+        <p:style>
+          <a:lnRef idx="1">
+            <a:schemeClr val="accent1"/>
+          </a:lnRef>
+          <a:fillRef idx="0">
+            <a:schemeClr val="accent1"/>
+          </a:fillRef>
+          <a:effectRef idx="0">
+            <a:schemeClr val="accent1"/>
+          </a:effectRef>
+          <a:fontRef idx="minor">
+            <a:schemeClr val="tx1"/>
+          </a:fontRef>
+        </p:style>
+      </p:cxnSp>
+      <p:cxnSp>
+        <p:nvCxnSpPr>
+          <p:cNvPr id="36" name="직선 연결선 35">
+            <a:extLst>
+              <a:ext uri="{FF2B5EF4-FFF2-40B4-BE49-F238E27FC236}">
+                <a16:creationId xmlns:a16="http://schemas.microsoft.com/office/drawing/2014/main" id="{42C1FDF6-F297-4E3C-90E7-A6E9C4182A40}"/>
+              </a:ext>
+            </a:extLst>
+          </p:cNvPr>
+          <p:cNvCxnSpPr>
+            <a:cxnSpLocks/>
+            <a:stCxn id="33" idx="3"/>
+            <a:endCxn id="34" idx="0"/>
+          </p:cNvCxnSpPr>
+          <p:nvPr/>
+        </p:nvCxnSpPr>
+        <p:spPr>
+          <a:xfrm flipH="1">
+            <a:off x="5888732" y="4539560"/>
+            <a:ext cx="279296" cy="338296"/>
+          </a:xfrm>
+          <a:prstGeom prst="line">
+            <a:avLst/>
+          </a:prstGeom>
+          <a:ln w="19050">
+            <a:solidFill>
+              <a:schemeClr val="tx1"/>
+            </a:solidFill>
+          </a:ln>
+        </p:spPr>
+        <p:style>
+          <a:lnRef idx="1">
+            <a:schemeClr val="accent1"/>
+          </a:lnRef>
+          <a:fillRef idx="0">
+            <a:schemeClr val="accent1"/>
+          </a:fillRef>
+          <a:effectRef idx="0">
+            <a:schemeClr val="accent1"/>
+          </a:effectRef>
+          <a:fontRef idx="minor">
+            <a:schemeClr val="tx1"/>
+          </a:fontRef>
+        </p:style>
+      </p:cxnSp>
     </p:spTree>
     <p:extLst>
       <p:ext uri="{BB962C8B-B14F-4D97-AF65-F5344CB8AC3E}">
         <p14:creationId xmlns:p14="http://schemas.microsoft.com/office/powerpoint/2010/main" val="403816449"/>
+      </p:ext>
+    </p:extLst>
+  </p:cSld>
+  <p:clrMapOvr>
+    <a:masterClrMapping/>
+  </p:clrMapOvr>
+</p:sld>
+</file>
+
+<file path=ppt/slides/slide17.xml><?xml version="1.0" encoding="utf-8"?>
+<p:sld xmlns:a="http://schemas.openxmlformats.org/drawingml/2006/main" xmlns:r="http://schemas.openxmlformats.org/officeDocument/2006/relationships" xmlns:p="http://schemas.openxmlformats.org/presentationml/2006/main">
+  <p:cSld>
+    <p:spTree>
+      <p:nvGrpSpPr>
+        <p:cNvPr id="1" name=""/>
+        <p:cNvGrpSpPr/>
+        <p:nvPr/>
+      </p:nvGrpSpPr>
+      <p:grpSpPr>
+        <a:xfrm>
+          <a:off x="0" y="0"/>
+          <a:ext cx="0" cy="0"/>
+          <a:chOff x="0" y="0"/>
+          <a:chExt cx="0" cy="0"/>
+        </a:xfrm>
+      </p:grpSpPr>
+      <p:sp>
+        <p:nvSpPr>
+          <p:cNvPr id="4" name="타원 3">
+            <a:extLst>
+              <a:ext uri="{FF2B5EF4-FFF2-40B4-BE49-F238E27FC236}">
+                <a16:creationId xmlns:a16="http://schemas.microsoft.com/office/drawing/2014/main" id="{6AC6BED3-E839-4250-BC8B-C1639C0D939E}"/>
+              </a:ext>
+            </a:extLst>
+          </p:cNvPr>
+          <p:cNvSpPr/>
+          <p:nvPr/>
+        </p:nvSpPr>
+        <p:spPr>
+          <a:xfrm>
+            <a:off x="1331640" y="404664"/>
+            <a:ext cx="432048" cy="432048"/>
+          </a:xfrm>
+          <a:prstGeom prst="ellipse">
+            <a:avLst/>
+          </a:prstGeom>
+          <a:solidFill>
+            <a:schemeClr val="tx1"/>
+          </a:solidFill>
+          <a:ln w="9525"/>
+        </p:spPr>
+        <p:style>
+          <a:lnRef idx="2">
+            <a:schemeClr val="accent1">
+              <a:shade val="50000"/>
+            </a:schemeClr>
+          </a:lnRef>
+          <a:fillRef idx="1">
+            <a:schemeClr val="accent1"/>
+          </a:fillRef>
+          <a:effectRef idx="0">
+            <a:schemeClr val="accent1"/>
+          </a:effectRef>
+          <a:fontRef idx="minor">
+            <a:schemeClr val="lt1"/>
+          </a:fontRef>
+        </p:style>
+        <p:txBody>
+          <a:bodyPr rot="0" spcFirstLastPara="0" vertOverflow="overflow" horzOverflow="overflow" vert="horz" wrap="square" lIns="91440" tIns="45720" rIns="91440" bIns="45720" numCol="1" spcCol="0" rtlCol="0" fromWordArt="0" anchor="ctr" anchorCtr="0" forceAA="0" compatLnSpc="1">
+            <a:prstTxWarp prst="textNoShape">
+              <a:avLst/>
+            </a:prstTxWarp>
+            <a:noAutofit/>
+          </a:bodyPr>
+          <a:lstStyle/>
+          <a:p>
+            <a:pPr algn="ctr"/>
+            <a:r>
+              <a:rPr lang="en-US" altLang="ko-KR" sz="2000" b="1">
+                <a:solidFill>
+                  <a:schemeClr val="bg1"/>
+                </a:solidFill>
+                <a:latin typeface="Consolas" pitchFamily="49" charset="0"/>
+                <a:cs typeface="Consolas" pitchFamily="49" charset="0"/>
+              </a:rPr>
+              <a:t>1</a:t>
+            </a:r>
+            <a:endParaRPr lang="ko-KR" altLang="en-US" sz="2000" b="1">
+              <a:solidFill>
+                <a:schemeClr val="bg1"/>
+              </a:solidFill>
+              <a:latin typeface="Consolas" pitchFamily="49" charset="0"/>
+              <a:cs typeface="Consolas" pitchFamily="49" charset="0"/>
+            </a:endParaRPr>
+          </a:p>
+        </p:txBody>
+      </p:sp>
+      <p:sp>
+        <p:nvSpPr>
+          <p:cNvPr id="5" name="타원 4">
+            <a:extLst>
+              <a:ext uri="{FF2B5EF4-FFF2-40B4-BE49-F238E27FC236}">
+                <a16:creationId xmlns:a16="http://schemas.microsoft.com/office/drawing/2014/main" id="{3A0CA741-1B82-438B-ADD8-7D4F9D5DAFD6}"/>
+              </a:ext>
+            </a:extLst>
+          </p:cNvPr>
+          <p:cNvSpPr/>
+          <p:nvPr/>
+        </p:nvSpPr>
+        <p:spPr>
+          <a:xfrm>
+            <a:off x="2339752" y="1052736"/>
+            <a:ext cx="432048" cy="432048"/>
+          </a:xfrm>
+          <a:prstGeom prst="ellipse">
+            <a:avLst/>
+          </a:prstGeom>
+          <a:solidFill>
+            <a:srgbClr val="FF0000"/>
+          </a:solidFill>
+          <a:ln w="9525"/>
+        </p:spPr>
+        <p:style>
+          <a:lnRef idx="2">
+            <a:schemeClr val="accent1">
+              <a:shade val="50000"/>
+            </a:schemeClr>
+          </a:lnRef>
+          <a:fillRef idx="1">
+            <a:schemeClr val="accent1"/>
+          </a:fillRef>
+          <a:effectRef idx="0">
+            <a:schemeClr val="accent1"/>
+          </a:effectRef>
+          <a:fontRef idx="minor">
+            <a:schemeClr val="lt1"/>
+          </a:fontRef>
+        </p:style>
+        <p:txBody>
+          <a:bodyPr rot="0" spcFirstLastPara="0" vertOverflow="overflow" horzOverflow="overflow" vert="horz" wrap="square" lIns="91440" tIns="45720" rIns="91440" bIns="45720" numCol="1" spcCol="0" rtlCol="0" fromWordArt="0" anchor="ctr" anchorCtr="0" forceAA="0" compatLnSpc="1">
+            <a:prstTxWarp prst="textNoShape">
+              <a:avLst/>
+            </a:prstTxWarp>
+            <a:noAutofit/>
+          </a:bodyPr>
+          <a:lstStyle/>
+          <a:p>
+            <a:pPr algn="ctr"/>
+            <a:r>
+              <a:rPr lang="en-US" altLang="ko-KR" sz="2000" b="1">
+                <a:solidFill>
+                  <a:schemeClr val="bg1"/>
+                </a:solidFill>
+                <a:latin typeface="Consolas" pitchFamily="49" charset="0"/>
+                <a:cs typeface="Consolas" pitchFamily="49" charset="0"/>
+              </a:rPr>
+              <a:t>3</a:t>
+            </a:r>
+            <a:endParaRPr lang="ko-KR" altLang="en-US" sz="2000" b="1">
+              <a:solidFill>
+                <a:schemeClr val="bg1"/>
+              </a:solidFill>
+              <a:latin typeface="Consolas" pitchFamily="49" charset="0"/>
+              <a:cs typeface="Consolas" pitchFamily="49" charset="0"/>
+            </a:endParaRPr>
+          </a:p>
+        </p:txBody>
+      </p:sp>
+      <p:sp>
+        <p:nvSpPr>
+          <p:cNvPr id="6" name="타원 5">
+            <a:extLst>
+              <a:ext uri="{FF2B5EF4-FFF2-40B4-BE49-F238E27FC236}">
+                <a16:creationId xmlns:a16="http://schemas.microsoft.com/office/drawing/2014/main" id="{2AB9E924-28A5-4B37-8D8F-495A29E37D4C}"/>
+              </a:ext>
+            </a:extLst>
+          </p:cNvPr>
+          <p:cNvSpPr/>
+          <p:nvPr/>
+        </p:nvSpPr>
+        <p:spPr>
+          <a:xfrm>
+            <a:off x="1881094" y="1700808"/>
+            <a:ext cx="432048" cy="432048"/>
+          </a:xfrm>
+          <a:prstGeom prst="ellipse">
+            <a:avLst/>
+          </a:prstGeom>
+          <a:solidFill>
+            <a:srgbClr val="FF0000"/>
+          </a:solidFill>
+          <a:ln w="9525"/>
+        </p:spPr>
+        <p:style>
+          <a:lnRef idx="2">
+            <a:schemeClr val="accent1">
+              <a:shade val="50000"/>
+            </a:schemeClr>
+          </a:lnRef>
+          <a:fillRef idx="1">
+            <a:schemeClr val="accent1"/>
+          </a:fillRef>
+          <a:effectRef idx="0">
+            <a:schemeClr val="accent1"/>
+          </a:effectRef>
+          <a:fontRef idx="minor">
+            <a:schemeClr val="lt1"/>
+          </a:fontRef>
+        </p:style>
+        <p:txBody>
+          <a:bodyPr rot="0" spcFirstLastPara="0" vertOverflow="overflow" horzOverflow="overflow" vert="horz" wrap="square" lIns="91440" tIns="45720" rIns="91440" bIns="45720" numCol="1" spcCol="0" rtlCol="0" fromWordArt="0" anchor="ctr" anchorCtr="0" forceAA="0" compatLnSpc="1">
+            <a:prstTxWarp prst="textNoShape">
+              <a:avLst/>
+            </a:prstTxWarp>
+            <a:noAutofit/>
+          </a:bodyPr>
+          <a:lstStyle/>
+          <a:p>
+            <a:pPr algn="ctr"/>
+            <a:r>
+              <a:rPr lang="en-US" altLang="ko-KR" sz="2000" b="1">
+                <a:solidFill>
+                  <a:schemeClr val="bg1"/>
+                </a:solidFill>
+                <a:latin typeface="Consolas" pitchFamily="49" charset="0"/>
+                <a:cs typeface="Consolas" pitchFamily="49" charset="0"/>
+              </a:rPr>
+              <a:t>2</a:t>
+            </a:r>
+            <a:endParaRPr lang="ko-KR" altLang="en-US" sz="2000" b="1">
+              <a:solidFill>
+                <a:schemeClr val="bg1"/>
+              </a:solidFill>
+              <a:latin typeface="Consolas" pitchFamily="49" charset="0"/>
+              <a:cs typeface="Consolas" pitchFamily="49" charset="0"/>
+            </a:endParaRPr>
+          </a:p>
+        </p:txBody>
+      </p:sp>
+      <p:cxnSp>
+        <p:nvCxnSpPr>
+          <p:cNvPr id="8" name="직선 연결선 7">
+            <a:extLst>
+              <a:ext uri="{FF2B5EF4-FFF2-40B4-BE49-F238E27FC236}">
+                <a16:creationId xmlns:a16="http://schemas.microsoft.com/office/drawing/2014/main" id="{B0E1C550-61AE-41CC-926E-EEF55EC962CD}"/>
+              </a:ext>
+            </a:extLst>
+          </p:cNvPr>
+          <p:cNvCxnSpPr>
+            <a:stCxn id="4" idx="5"/>
+            <a:endCxn id="5" idx="0"/>
+          </p:cNvCxnSpPr>
+          <p:nvPr/>
+        </p:nvCxnSpPr>
+        <p:spPr>
+          <a:xfrm>
+            <a:off x="1700416" y="773440"/>
+            <a:ext cx="855360" cy="279296"/>
+          </a:xfrm>
+          <a:prstGeom prst="line">
+            <a:avLst/>
+          </a:prstGeom>
+          <a:ln w="19050">
+            <a:solidFill>
+              <a:schemeClr val="tx1"/>
+            </a:solidFill>
+          </a:ln>
+        </p:spPr>
+        <p:style>
+          <a:lnRef idx="1">
+            <a:schemeClr val="accent1"/>
+          </a:lnRef>
+          <a:fillRef idx="0">
+            <a:schemeClr val="accent1"/>
+          </a:fillRef>
+          <a:effectRef idx="0">
+            <a:schemeClr val="accent1"/>
+          </a:effectRef>
+          <a:fontRef idx="minor">
+            <a:schemeClr val="tx1"/>
+          </a:fontRef>
+        </p:style>
+      </p:cxnSp>
+      <p:cxnSp>
+        <p:nvCxnSpPr>
+          <p:cNvPr id="9" name="직선 연결선 8">
+            <a:extLst>
+              <a:ext uri="{FF2B5EF4-FFF2-40B4-BE49-F238E27FC236}">
+                <a16:creationId xmlns:a16="http://schemas.microsoft.com/office/drawing/2014/main" id="{EEF292CA-E9B6-4632-8284-EA0ADCDF024A}"/>
+              </a:ext>
+            </a:extLst>
+          </p:cNvPr>
+          <p:cNvCxnSpPr>
+            <a:cxnSpLocks/>
+            <a:stCxn id="5" idx="3"/>
+            <a:endCxn id="6" idx="0"/>
+          </p:cNvCxnSpPr>
+          <p:nvPr/>
+        </p:nvCxnSpPr>
+        <p:spPr>
+          <a:xfrm flipH="1">
+            <a:off x="2097118" y="1421512"/>
+            <a:ext cx="305906" cy="279296"/>
+          </a:xfrm>
+          <a:prstGeom prst="line">
+            <a:avLst/>
+          </a:prstGeom>
+          <a:ln w="19050">
+            <a:solidFill>
+              <a:schemeClr val="tx1"/>
+            </a:solidFill>
+          </a:ln>
+        </p:spPr>
+        <p:style>
+          <a:lnRef idx="1">
+            <a:schemeClr val="accent1"/>
+          </a:lnRef>
+          <a:fillRef idx="0">
+            <a:schemeClr val="accent1"/>
+          </a:fillRef>
+          <a:effectRef idx="0">
+            <a:schemeClr val="accent1"/>
+          </a:effectRef>
+          <a:fontRef idx="minor">
+            <a:schemeClr val="tx1"/>
+          </a:fontRef>
+        </p:style>
+      </p:cxnSp>
+      <p:sp>
+        <p:nvSpPr>
+          <p:cNvPr id="12" name="TextBox 11">
+            <a:extLst>
+              <a:ext uri="{FF2B5EF4-FFF2-40B4-BE49-F238E27FC236}">
+                <a16:creationId xmlns:a16="http://schemas.microsoft.com/office/drawing/2014/main" id="{3D30E48F-A42F-4366-8772-7EAE2F42B963}"/>
+              </a:ext>
+            </a:extLst>
+          </p:cNvPr>
+          <p:cNvSpPr txBox="1"/>
+          <p:nvPr/>
+        </p:nvSpPr>
+        <p:spPr>
+          <a:xfrm>
+            <a:off x="4932040" y="65554"/>
+            <a:ext cx="1454244" cy="1015663"/>
+          </a:xfrm>
+          <a:prstGeom prst="rect">
+            <a:avLst/>
+          </a:prstGeom>
+          <a:noFill/>
+        </p:spPr>
+        <p:txBody>
+          <a:bodyPr wrap="none" rtlCol="0">
+            <a:spAutoFit/>
+          </a:bodyPr>
+          <a:lstStyle/>
+          <a:p>
+            <a:r>
+              <a:rPr lang="en-US" altLang="ko-KR" sz="2000">
+                <a:latin typeface="Consolas" pitchFamily="49" charset="0"/>
+                <a:cs typeface="Consolas" pitchFamily="49" charset="0"/>
+              </a:rPr>
+              <a:t>1 - 3 - 2</a:t>
+            </a:r>
+          </a:p>
+          <a:p>
+            <a:r>
+              <a:rPr lang="en-US" altLang="ko-KR" sz="2000">
+                <a:latin typeface="Consolas" pitchFamily="49" charset="0"/>
+                <a:cs typeface="Consolas" pitchFamily="49" charset="0"/>
+              </a:rPr>
+              <a:t>1 - 2 - 3</a:t>
+            </a:r>
+          </a:p>
+          <a:p>
+            <a:r>
+              <a:rPr lang="en-US" altLang="ko-KR" sz="2000">
+                <a:latin typeface="Consolas" pitchFamily="49" charset="0"/>
+                <a:cs typeface="Consolas" pitchFamily="49" charset="0"/>
+              </a:rPr>
+              <a:t>2 - 1 - 3</a:t>
+            </a:r>
+            <a:endParaRPr lang="ko-KR" altLang="en-US" sz="2000">
+              <a:latin typeface="Consolas" pitchFamily="49" charset="0"/>
+              <a:cs typeface="Consolas" pitchFamily="49" charset="0"/>
+            </a:endParaRPr>
+          </a:p>
+        </p:txBody>
+      </p:sp>
+      <p:sp>
+        <p:nvSpPr>
+          <p:cNvPr id="18" name="TextBox 17">
+            <a:extLst>
+              <a:ext uri="{FF2B5EF4-FFF2-40B4-BE49-F238E27FC236}">
+                <a16:creationId xmlns:a16="http://schemas.microsoft.com/office/drawing/2014/main" id="{97877A57-BE2E-40B1-BADE-BB3459E69824}"/>
+              </a:ext>
+            </a:extLst>
+          </p:cNvPr>
+          <p:cNvSpPr txBox="1"/>
+          <p:nvPr/>
+        </p:nvSpPr>
+        <p:spPr>
+          <a:xfrm>
+            <a:off x="2843808" y="1130841"/>
+            <a:ext cx="1031051" cy="400110"/>
+          </a:xfrm>
+          <a:prstGeom prst="rect">
+            <a:avLst/>
+          </a:prstGeom>
+          <a:noFill/>
+        </p:spPr>
+        <p:txBody>
+          <a:bodyPr wrap="none" rtlCol="0">
+            <a:spAutoFit/>
+          </a:bodyPr>
+          <a:lstStyle/>
+          <a:p>
+            <a:r>
+              <a:rPr lang="en-US" altLang="ko-KR" sz="2000">
+                <a:latin typeface="Consolas" pitchFamily="49" charset="0"/>
+                <a:cs typeface="Consolas" pitchFamily="49" charset="0"/>
+              </a:rPr>
+              <a:t>parent</a:t>
+            </a:r>
+            <a:endParaRPr lang="ko-KR" altLang="en-US" sz="2000">
+              <a:latin typeface="Consolas" pitchFamily="49" charset="0"/>
+              <a:cs typeface="Consolas" pitchFamily="49" charset="0"/>
+            </a:endParaRPr>
+          </a:p>
+        </p:txBody>
+      </p:sp>
+      <p:sp>
+        <p:nvSpPr>
+          <p:cNvPr id="19" name="타원 18">
+            <a:extLst>
+              <a:ext uri="{FF2B5EF4-FFF2-40B4-BE49-F238E27FC236}">
+                <a16:creationId xmlns:a16="http://schemas.microsoft.com/office/drawing/2014/main" id="{DB2F078B-90BB-45B0-895C-FCC1DB7D60D7}"/>
+              </a:ext>
+            </a:extLst>
+          </p:cNvPr>
+          <p:cNvSpPr/>
+          <p:nvPr/>
+        </p:nvSpPr>
+        <p:spPr>
+          <a:xfrm>
+            <a:off x="3491880" y="2276872"/>
+            <a:ext cx="432048" cy="432048"/>
+          </a:xfrm>
+          <a:prstGeom prst="ellipse">
+            <a:avLst/>
+          </a:prstGeom>
+          <a:solidFill>
+            <a:schemeClr val="tx1"/>
+          </a:solidFill>
+          <a:ln w="9525"/>
+        </p:spPr>
+        <p:style>
+          <a:lnRef idx="2">
+            <a:schemeClr val="accent1">
+              <a:shade val="50000"/>
+            </a:schemeClr>
+          </a:lnRef>
+          <a:fillRef idx="1">
+            <a:schemeClr val="accent1"/>
+          </a:fillRef>
+          <a:effectRef idx="0">
+            <a:schemeClr val="accent1"/>
+          </a:effectRef>
+          <a:fontRef idx="minor">
+            <a:schemeClr val="lt1"/>
+          </a:fontRef>
+        </p:style>
+        <p:txBody>
+          <a:bodyPr rot="0" spcFirstLastPara="0" vertOverflow="overflow" horzOverflow="overflow" vert="horz" wrap="square" lIns="91440" tIns="45720" rIns="91440" bIns="45720" numCol="1" spcCol="0" rtlCol="0" fromWordArt="0" anchor="ctr" anchorCtr="0" forceAA="0" compatLnSpc="1">
+            <a:prstTxWarp prst="textNoShape">
+              <a:avLst/>
+            </a:prstTxWarp>
+            <a:noAutofit/>
+          </a:bodyPr>
+          <a:lstStyle/>
+          <a:p>
+            <a:pPr algn="ctr"/>
+            <a:r>
+              <a:rPr lang="en-US" altLang="ko-KR" sz="2000" b="1">
+                <a:solidFill>
+                  <a:schemeClr val="bg1"/>
+                </a:solidFill>
+                <a:latin typeface="Consolas" pitchFamily="49" charset="0"/>
+                <a:cs typeface="Consolas" pitchFamily="49" charset="0"/>
+              </a:rPr>
+              <a:t>1</a:t>
+            </a:r>
+            <a:endParaRPr lang="ko-KR" altLang="en-US" sz="2000" b="1">
+              <a:solidFill>
+                <a:schemeClr val="bg1"/>
+              </a:solidFill>
+              <a:latin typeface="Consolas" pitchFamily="49" charset="0"/>
+              <a:cs typeface="Consolas" pitchFamily="49" charset="0"/>
+            </a:endParaRPr>
+          </a:p>
+        </p:txBody>
+      </p:sp>
+      <p:sp>
+        <p:nvSpPr>
+          <p:cNvPr id="25" name="타원 24">
+            <a:extLst>
+              <a:ext uri="{FF2B5EF4-FFF2-40B4-BE49-F238E27FC236}">
+                <a16:creationId xmlns:a16="http://schemas.microsoft.com/office/drawing/2014/main" id="{42D07F83-04E3-4904-91F9-ED0721520F4A}"/>
+              </a:ext>
+            </a:extLst>
+          </p:cNvPr>
+          <p:cNvSpPr/>
+          <p:nvPr/>
+        </p:nvSpPr>
+        <p:spPr>
+          <a:xfrm>
+            <a:off x="4860032" y="3573016"/>
+            <a:ext cx="432048" cy="432048"/>
+          </a:xfrm>
+          <a:prstGeom prst="ellipse">
+            <a:avLst/>
+          </a:prstGeom>
+          <a:solidFill>
+            <a:srgbClr val="FF0000"/>
+          </a:solidFill>
+          <a:ln w="9525"/>
+        </p:spPr>
+        <p:style>
+          <a:lnRef idx="2">
+            <a:schemeClr val="accent1">
+              <a:shade val="50000"/>
+            </a:schemeClr>
+          </a:lnRef>
+          <a:fillRef idx="1">
+            <a:schemeClr val="accent1"/>
+          </a:fillRef>
+          <a:effectRef idx="0">
+            <a:schemeClr val="accent1"/>
+          </a:effectRef>
+          <a:fontRef idx="minor">
+            <a:schemeClr val="lt1"/>
+          </a:fontRef>
+        </p:style>
+        <p:txBody>
+          <a:bodyPr rot="0" spcFirstLastPara="0" vertOverflow="overflow" horzOverflow="overflow" vert="horz" wrap="square" lIns="91440" tIns="45720" rIns="91440" bIns="45720" numCol="1" spcCol="0" rtlCol="0" fromWordArt="0" anchor="ctr" anchorCtr="0" forceAA="0" compatLnSpc="1">
+            <a:prstTxWarp prst="textNoShape">
+              <a:avLst/>
+            </a:prstTxWarp>
+            <a:noAutofit/>
+          </a:bodyPr>
+          <a:lstStyle/>
+          <a:p>
+            <a:pPr algn="ctr"/>
+            <a:r>
+              <a:rPr lang="en-US" altLang="ko-KR" sz="2000" b="1">
+                <a:solidFill>
+                  <a:schemeClr val="bg1"/>
+                </a:solidFill>
+                <a:latin typeface="Consolas" pitchFamily="49" charset="0"/>
+                <a:cs typeface="Consolas" pitchFamily="49" charset="0"/>
+              </a:rPr>
+              <a:t>3</a:t>
+            </a:r>
+            <a:endParaRPr lang="ko-KR" altLang="en-US" sz="2000" b="1">
+              <a:solidFill>
+                <a:schemeClr val="bg1"/>
+              </a:solidFill>
+              <a:latin typeface="Consolas" pitchFamily="49" charset="0"/>
+              <a:cs typeface="Consolas" pitchFamily="49" charset="0"/>
+            </a:endParaRPr>
+          </a:p>
+        </p:txBody>
+      </p:sp>
+      <p:sp>
+        <p:nvSpPr>
+          <p:cNvPr id="26" name="타원 25">
+            <a:extLst>
+              <a:ext uri="{FF2B5EF4-FFF2-40B4-BE49-F238E27FC236}">
+                <a16:creationId xmlns:a16="http://schemas.microsoft.com/office/drawing/2014/main" id="{CF71505F-EB0D-4153-B005-AE843D98F0C4}"/>
+              </a:ext>
+            </a:extLst>
+          </p:cNvPr>
+          <p:cNvSpPr/>
+          <p:nvPr/>
+        </p:nvSpPr>
+        <p:spPr>
+          <a:xfrm>
+            <a:off x="4189060" y="2969382"/>
+            <a:ext cx="432048" cy="432048"/>
+          </a:xfrm>
+          <a:prstGeom prst="ellipse">
+            <a:avLst/>
+          </a:prstGeom>
+          <a:solidFill>
+            <a:srgbClr val="FF0000"/>
+          </a:solidFill>
+          <a:ln w="9525"/>
+        </p:spPr>
+        <p:style>
+          <a:lnRef idx="2">
+            <a:schemeClr val="accent1">
+              <a:shade val="50000"/>
+            </a:schemeClr>
+          </a:lnRef>
+          <a:fillRef idx="1">
+            <a:schemeClr val="accent1"/>
+          </a:fillRef>
+          <a:effectRef idx="0">
+            <a:schemeClr val="accent1"/>
+          </a:effectRef>
+          <a:fontRef idx="minor">
+            <a:schemeClr val="lt1"/>
+          </a:fontRef>
+        </p:style>
+        <p:txBody>
+          <a:bodyPr rot="0" spcFirstLastPara="0" vertOverflow="overflow" horzOverflow="overflow" vert="horz" wrap="square" lIns="91440" tIns="45720" rIns="91440" bIns="45720" numCol="1" spcCol="0" rtlCol="0" fromWordArt="0" anchor="ctr" anchorCtr="0" forceAA="0" compatLnSpc="1">
+            <a:prstTxWarp prst="textNoShape">
+              <a:avLst/>
+            </a:prstTxWarp>
+            <a:noAutofit/>
+          </a:bodyPr>
+          <a:lstStyle/>
+          <a:p>
+            <a:pPr algn="ctr"/>
+            <a:r>
+              <a:rPr lang="en-US" altLang="ko-KR" sz="2000" b="1">
+                <a:solidFill>
+                  <a:schemeClr val="bg1"/>
+                </a:solidFill>
+                <a:latin typeface="Consolas" pitchFamily="49" charset="0"/>
+                <a:cs typeface="Consolas" pitchFamily="49" charset="0"/>
+              </a:rPr>
+              <a:t>2</a:t>
+            </a:r>
+            <a:endParaRPr lang="ko-KR" altLang="en-US" sz="2000" b="1">
+              <a:solidFill>
+                <a:schemeClr val="bg1"/>
+              </a:solidFill>
+              <a:latin typeface="Consolas" pitchFamily="49" charset="0"/>
+              <a:cs typeface="Consolas" pitchFamily="49" charset="0"/>
+            </a:endParaRPr>
+          </a:p>
+        </p:txBody>
+      </p:sp>
+      <p:cxnSp>
+        <p:nvCxnSpPr>
+          <p:cNvPr id="27" name="직선 연결선 26">
+            <a:extLst>
+              <a:ext uri="{FF2B5EF4-FFF2-40B4-BE49-F238E27FC236}">
+                <a16:creationId xmlns:a16="http://schemas.microsoft.com/office/drawing/2014/main" id="{1C847ABB-F5E7-419A-A193-216E7F64DB18}"/>
+              </a:ext>
+            </a:extLst>
+          </p:cNvPr>
+          <p:cNvCxnSpPr>
+            <a:cxnSpLocks/>
+            <a:stCxn id="19" idx="5"/>
+            <a:endCxn id="26" idx="0"/>
+          </p:cNvCxnSpPr>
+          <p:nvPr/>
+        </p:nvCxnSpPr>
+        <p:spPr>
+          <a:xfrm>
+            <a:off x="3860656" y="2645648"/>
+            <a:ext cx="544428" cy="323734"/>
+          </a:xfrm>
+          <a:prstGeom prst="line">
+            <a:avLst/>
+          </a:prstGeom>
+          <a:ln w="19050">
+            <a:solidFill>
+              <a:schemeClr val="tx1"/>
+            </a:solidFill>
+          </a:ln>
+        </p:spPr>
+        <p:style>
+          <a:lnRef idx="1">
+            <a:schemeClr val="accent1"/>
+          </a:lnRef>
+          <a:fillRef idx="0">
+            <a:schemeClr val="accent1"/>
+          </a:fillRef>
+          <a:effectRef idx="0">
+            <a:schemeClr val="accent1"/>
+          </a:effectRef>
+          <a:fontRef idx="minor">
+            <a:schemeClr val="tx1"/>
+          </a:fontRef>
+        </p:style>
+      </p:cxnSp>
+      <p:cxnSp>
+        <p:nvCxnSpPr>
+          <p:cNvPr id="28" name="직선 연결선 27">
+            <a:extLst>
+              <a:ext uri="{FF2B5EF4-FFF2-40B4-BE49-F238E27FC236}">
+                <a16:creationId xmlns:a16="http://schemas.microsoft.com/office/drawing/2014/main" id="{C102D021-10DB-4110-82CB-F93263F1F382}"/>
+              </a:ext>
+            </a:extLst>
+          </p:cNvPr>
+          <p:cNvCxnSpPr>
+            <a:cxnSpLocks/>
+            <a:stCxn id="25" idx="0"/>
+            <a:endCxn id="26" idx="5"/>
+          </p:cNvCxnSpPr>
+          <p:nvPr/>
+        </p:nvCxnSpPr>
+        <p:spPr>
+          <a:xfrm flipH="1" flipV="1">
+            <a:off x="4557836" y="3338158"/>
+            <a:ext cx="518220" cy="234858"/>
+          </a:xfrm>
+          <a:prstGeom prst="line">
+            <a:avLst/>
+          </a:prstGeom>
+          <a:ln w="19050">
+            <a:solidFill>
+              <a:schemeClr val="tx1"/>
+            </a:solidFill>
+          </a:ln>
+        </p:spPr>
+        <p:style>
+          <a:lnRef idx="1">
+            <a:schemeClr val="accent1"/>
+          </a:lnRef>
+          <a:fillRef idx="0">
+            <a:schemeClr val="accent1"/>
+          </a:fillRef>
+          <a:effectRef idx="0">
+            <a:schemeClr val="accent1"/>
+          </a:effectRef>
+          <a:fontRef idx="minor">
+            <a:schemeClr val="tx1"/>
+          </a:fontRef>
+        </p:style>
+      </p:cxnSp>
+      <p:sp>
+        <p:nvSpPr>
+          <p:cNvPr id="29" name="TextBox 28">
+            <a:extLst>
+              <a:ext uri="{FF2B5EF4-FFF2-40B4-BE49-F238E27FC236}">
+                <a16:creationId xmlns:a16="http://schemas.microsoft.com/office/drawing/2014/main" id="{935E468E-42D1-4121-855E-8AFA1908A049}"/>
+              </a:ext>
+            </a:extLst>
+          </p:cNvPr>
+          <p:cNvSpPr txBox="1"/>
+          <p:nvPr/>
+        </p:nvSpPr>
+        <p:spPr>
+          <a:xfrm>
+            <a:off x="5377708" y="2781672"/>
+            <a:ext cx="3429144" cy="400110"/>
+          </a:xfrm>
+          <a:prstGeom prst="rect">
+            <a:avLst/>
+          </a:prstGeom>
+          <a:noFill/>
+        </p:spPr>
+        <p:txBody>
+          <a:bodyPr wrap="none" rtlCol="0">
+            <a:spAutoFit/>
+          </a:bodyPr>
+          <a:lstStyle/>
+          <a:p>
+            <a:r>
+              <a:rPr lang="en-US" altLang="ko-KR" sz="2000">
+                <a:latin typeface="Consolas" pitchFamily="49" charset="0"/>
+                <a:cs typeface="Consolas" pitchFamily="49" charset="0"/>
+              </a:rPr>
+              <a:t>rb_rotate_right(parent)</a:t>
+            </a:r>
+            <a:endParaRPr lang="ko-KR" altLang="en-US" sz="2000">
+              <a:latin typeface="Consolas" pitchFamily="49" charset="0"/>
+              <a:cs typeface="Consolas" pitchFamily="49" charset="0"/>
+            </a:endParaRPr>
+          </a:p>
+        </p:txBody>
+      </p:sp>
+      <p:sp>
+        <p:nvSpPr>
+          <p:cNvPr id="37" name="타원 36">
+            <a:extLst>
+              <a:ext uri="{FF2B5EF4-FFF2-40B4-BE49-F238E27FC236}">
+                <a16:creationId xmlns:a16="http://schemas.microsoft.com/office/drawing/2014/main" id="{A105849A-74E3-4C5F-A698-880311B1D59F}"/>
+              </a:ext>
+            </a:extLst>
+          </p:cNvPr>
+          <p:cNvSpPr/>
+          <p:nvPr/>
+        </p:nvSpPr>
+        <p:spPr>
+          <a:xfrm>
+            <a:off x="5983932" y="5604792"/>
+            <a:ext cx="432048" cy="432048"/>
+          </a:xfrm>
+          <a:prstGeom prst="ellipse">
+            <a:avLst/>
+          </a:prstGeom>
+          <a:solidFill>
+            <a:srgbClr val="FF0000"/>
+          </a:solidFill>
+          <a:ln w="9525"/>
+        </p:spPr>
+        <p:style>
+          <a:lnRef idx="2">
+            <a:schemeClr val="accent1">
+              <a:shade val="50000"/>
+            </a:schemeClr>
+          </a:lnRef>
+          <a:fillRef idx="1">
+            <a:schemeClr val="accent1"/>
+          </a:fillRef>
+          <a:effectRef idx="0">
+            <a:schemeClr val="accent1"/>
+          </a:effectRef>
+          <a:fontRef idx="minor">
+            <a:schemeClr val="lt1"/>
+          </a:fontRef>
+        </p:style>
+        <p:txBody>
+          <a:bodyPr rot="0" spcFirstLastPara="0" vertOverflow="overflow" horzOverflow="overflow" vert="horz" wrap="square" lIns="91440" tIns="45720" rIns="91440" bIns="45720" numCol="1" spcCol="0" rtlCol="0" fromWordArt="0" anchor="ctr" anchorCtr="0" forceAA="0" compatLnSpc="1">
+            <a:prstTxWarp prst="textNoShape">
+              <a:avLst/>
+            </a:prstTxWarp>
+            <a:noAutofit/>
+          </a:bodyPr>
+          <a:lstStyle/>
+          <a:p>
+            <a:pPr algn="ctr"/>
+            <a:r>
+              <a:rPr lang="en-US" altLang="ko-KR" sz="2000" b="1">
+                <a:solidFill>
+                  <a:schemeClr val="bg1"/>
+                </a:solidFill>
+                <a:latin typeface="Consolas" pitchFamily="49" charset="0"/>
+                <a:cs typeface="Consolas" pitchFamily="49" charset="0"/>
+              </a:rPr>
+              <a:t>1</a:t>
+            </a:r>
+            <a:endParaRPr lang="ko-KR" altLang="en-US" sz="2000" b="1">
+              <a:solidFill>
+                <a:schemeClr val="bg1"/>
+              </a:solidFill>
+              <a:latin typeface="Consolas" pitchFamily="49" charset="0"/>
+              <a:cs typeface="Consolas" pitchFamily="49" charset="0"/>
+            </a:endParaRPr>
+          </a:p>
+        </p:txBody>
+      </p:sp>
+      <p:sp>
+        <p:nvSpPr>
+          <p:cNvPr id="38" name="타원 37">
+            <a:extLst>
+              <a:ext uri="{FF2B5EF4-FFF2-40B4-BE49-F238E27FC236}">
+                <a16:creationId xmlns:a16="http://schemas.microsoft.com/office/drawing/2014/main" id="{535DA3A9-F9A2-41D8-B851-7681AE45CF07}"/>
+              </a:ext>
+            </a:extLst>
+          </p:cNvPr>
+          <p:cNvSpPr/>
+          <p:nvPr/>
+        </p:nvSpPr>
+        <p:spPr>
+          <a:xfrm>
+            <a:off x="7394476" y="5608074"/>
+            <a:ext cx="432048" cy="432048"/>
+          </a:xfrm>
+          <a:prstGeom prst="ellipse">
+            <a:avLst/>
+          </a:prstGeom>
+          <a:solidFill>
+            <a:srgbClr val="FF0000"/>
+          </a:solidFill>
+          <a:ln w="9525"/>
+        </p:spPr>
+        <p:style>
+          <a:lnRef idx="2">
+            <a:schemeClr val="accent1">
+              <a:shade val="50000"/>
+            </a:schemeClr>
+          </a:lnRef>
+          <a:fillRef idx="1">
+            <a:schemeClr val="accent1"/>
+          </a:fillRef>
+          <a:effectRef idx="0">
+            <a:schemeClr val="accent1"/>
+          </a:effectRef>
+          <a:fontRef idx="minor">
+            <a:schemeClr val="lt1"/>
+          </a:fontRef>
+        </p:style>
+        <p:txBody>
+          <a:bodyPr rot="0" spcFirstLastPara="0" vertOverflow="overflow" horzOverflow="overflow" vert="horz" wrap="square" lIns="91440" tIns="45720" rIns="91440" bIns="45720" numCol="1" spcCol="0" rtlCol="0" fromWordArt="0" anchor="ctr" anchorCtr="0" forceAA="0" compatLnSpc="1">
+            <a:prstTxWarp prst="textNoShape">
+              <a:avLst/>
+            </a:prstTxWarp>
+            <a:noAutofit/>
+          </a:bodyPr>
+          <a:lstStyle/>
+          <a:p>
+            <a:pPr algn="ctr"/>
+            <a:r>
+              <a:rPr lang="en-US" altLang="ko-KR" sz="2000" b="1">
+                <a:solidFill>
+                  <a:schemeClr val="bg1"/>
+                </a:solidFill>
+                <a:latin typeface="Consolas" pitchFamily="49" charset="0"/>
+                <a:cs typeface="Consolas" pitchFamily="49" charset="0"/>
+              </a:rPr>
+              <a:t>3</a:t>
+            </a:r>
+            <a:endParaRPr lang="ko-KR" altLang="en-US" sz="2000" b="1">
+              <a:solidFill>
+                <a:schemeClr val="bg1"/>
+              </a:solidFill>
+              <a:latin typeface="Consolas" pitchFamily="49" charset="0"/>
+              <a:cs typeface="Consolas" pitchFamily="49" charset="0"/>
+            </a:endParaRPr>
+          </a:p>
+        </p:txBody>
+      </p:sp>
+      <p:sp>
+        <p:nvSpPr>
+          <p:cNvPr id="39" name="타원 38">
+            <a:extLst>
+              <a:ext uri="{FF2B5EF4-FFF2-40B4-BE49-F238E27FC236}">
+                <a16:creationId xmlns:a16="http://schemas.microsoft.com/office/drawing/2014/main" id="{EF6E2CB3-DA02-44E7-A65F-3F2607C226E2}"/>
+              </a:ext>
+            </a:extLst>
+          </p:cNvPr>
+          <p:cNvSpPr/>
+          <p:nvPr/>
+        </p:nvSpPr>
+        <p:spPr>
+          <a:xfrm>
+            <a:off x="6723504" y="5004440"/>
+            <a:ext cx="432048" cy="432048"/>
+          </a:xfrm>
+          <a:prstGeom prst="ellipse">
+            <a:avLst/>
+          </a:prstGeom>
+          <a:solidFill>
+            <a:schemeClr val="tx1"/>
+          </a:solidFill>
+          <a:ln w="9525"/>
+        </p:spPr>
+        <p:style>
+          <a:lnRef idx="2">
+            <a:schemeClr val="accent1">
+              <a:shade val="50000"/>
+            </a:schemeClr>
+          </a:lnRef>
+          <a:fillRef idx="1">
+            <a:schemeClr val="accent1"/>
+          </a:fillRef>
+          <a:effectRef idx="0">
+            <a:schemeClr val="accent1"/>
+          </a:effectRef>
+          <a:fontRef idx="minor">
+            <a:schemeClr val="lt1"/>
+          </a:fontRef>
+        </p:style>
+        <p:txBody>
+          <a:bodyPr rot="0" spcFirstLastPara="0" vertOverflow="overflow" horzOverflow="overflow" vert="horz" wrap="square" lIns="91440" tIns="45720" rIns="91440" bIns="45720" numCol="1" spcCol="0" rtlCol="0" fromWordArt="0" anchor="ctr" anchorCtr="0" forceAA="0" compatLnSpc="1">
+            <a:prstTxWarp prst="textNoShape">
+              <a:avLst/>
+            </a:prstTxWarp>
+            <a:noAutofit/>
+          </a:bodyPr>
+          <a:lstStyle/>
+          <a:p>
+            <a:pPr algn="ctr"/>
+            <a:r>
+              <a:rPr lang="en-US" altLang="ko-KR" sz="2000" b="1">
+                <a:solidFill>
+                  <a:schemeClr val="bg1"/>
+                </a:solidFill>
+                <a:latin typeface="Consolas" pitchFamily="49" charset="0"/>
+                <a:cs typeface="Consolas" pitchFamily="49" charset="0"/>
+              </a:rPr>
+              <a:t>2</a:t>
+            </a:r>
+            <a:endParaRPr lang="ko-KR" altLang="en-US" sz="2000" b="1">
+              <a:solidFill>
+                <a:schemeClr val="bg1"/>
+              </a:solidFill>
+              <a:latin typeface="Consolas" pitchFamily="49" charset="0"/>
+              <a:cs typeface="Consolas" pitchFamily="49" charset="0"/>
+            </a:endParaRPr>
+          </a:p>
+        </p:txBody>
+      </p:sp>
+      <p:cxnSp>
+        <p:nvCxnSpPr>
+          <p:cNvPr id="40" name="직선 연결선 39">
+            <a:extLst>
+              <a:ext uri="{FF2B5EF4-FFF2-40B4-BE49-F238E27FC236}">
+                <a16:creationId xmlns:a16="http://schemas.microsoft.com/office/drawing/2014/main" id="{E41EEF66-CF8E-49EE-838B-8A62045A206F}"/>
+              </a:ext>
+            </a:extLst>
+          </p:cNvPr>
+          <p:cNvCxnSpPr>
+            <a:cxnSpLocks/>
+            <a:stCxn id="37" idx="0"/>
+            <a:endCxn id="39" idx="3"/>
+          </p:cNvCxnSpPr>
+          <p:nvPr/>
+        </p:nvCxnSpPr>
+        <p:spPr>
+          <a:xfrm flipV="1">
+            <a:off x="6199956" y="5373216"/>
+            <a:ext cx="586820" cy="231576"/>
+          </a:xfrm>
+          <a:prstGeom prst="line">
+            <a:avLst/>
+          </a:prstGeom>
+          <a:ln w="19050">
+            <a:solidFill>
+              <a:schemeClr val="tx1"/>
+            </a:solidFill>
+          </a:ln>
+        </p:spPr>
+        <p:style>
+          <a:lnRef idx="1">
+            <a:schemeClr val="accent1"/>
+          </a:lnRef>
+          <a:fillRef idx="0">
+            <a:schemeClr val="accent1"/>
+          </a:fillRef>
+          <a:effectRef idx="0">
+            <a:schemeClr val="accent1"/>
+          </a:effectRef>
+          <a:fontRef idx="minor">
+            <a:schemeClr val="tx1"/>
+          </a:fontRef>
+        </p:style>
+      </p:cxnSp>
+      <p:cxnSp>
+        <p:nvCxnSpPr>
+          <p:cNvPr id="41" name="직선 연결선 40">
+            <a:extLst>
+              <a:ext uri="{FF2B5EF4-FFF2-40B4-BE49-F238E27FC236}">
+                <a16:creationId xmlns:a16="http://schemas.microsoft.com/office/drawing/2014/main" id="{0E89C7A4-2FFD-4C5E-BCB8-2A24BD787E3F}"/>
+              </a:ext>
+            </a:extLst>
+          </p:cNvPr>
+          <p:cNvCxnSpPr>
+            <a:cxnSpLocks/>
+            <a:stCxn id="38" idx="0"/>
+            <a:endCxn id="39" idx="5"/>
+          </p:cNvCxnSpPr>
+          <p:nvPr/>
+        </p:nvCxnSpPr>
+        <p:spPr>
+          <a:xfrm flipH="1" flipV="1">
+            <a:off x="7092280" y="5373216"/>
+            <a:ext cx="518220" cy="234858"/>
+          </a:xfrm>
+          <a:prstGeom prst="line">
+            <a:avLst/>
+          </a:prstGeom>
+          <a:ln w="19050">
+            <a:solidFill>
+              <a:schemeClr val="tx1"/>
+            </a:solidFill>
+          </a:ln>
+        </p:spPr>
+        <p:style>
+          <a:lnRef idx="1">
+            <a:schemeClr val="accent1"/>
+          </a:lnRef>
+          <a:fillRef idx="0">
+            <a:schemeClr val="accent1"/>
+          </a:fillRef>
+          <a:effectRef idx="0">
+            <a:schemeClr val="accent1"/>
+          </a:effectRef>
+          <a:fontRef idx="minor">
+            <a:schemeClr val="tx1"/>
+          </a:fontRef>
+        </p:style>
+      </p:cxnSp>
+      <p:sp>
+        <p:nvSpPr>
+          <p:cNvPr id="42" name="TextBox 41">
+            <a:extLst>
+              <a:ext uri="{FF2B5EF4-FFF2-40B4-BE49-F238E27FC236}">
+                <a16:creationId xmlns:a16="http://schemas.microsoft.com/office/drawing/2014/main" id="{4D34643F-630C-4291-9C0F-02A4E4844F13}"/>
+              </a:ext>
+            </a:extLst>
+          </p:cNvPr>
+          <p:cNvSpPr txBox="1"/>
+          <p:nvPr/>
+        </p:nvSpPr>
+        <p:spPr>
+          <a:xfrm>
+            <a:off x="7155552" y="4274458"/>
+            <a:ext cx="3429144" cy="707886"/>
+          </a:xfrm>
+          <a:prstGeom prst="rect">
+            <a:avLst/>
+          </a:prstGeom>
+          <a:noFill/>
+        </p:spPr>
+        <p:txBody>
+          <a:bodyPr wrap="none" rtlCol="0">
+            <a:spAutoFit/>
+          </a:bodyPr>
+          <a:lstStyle/>
+          <a:p>
+            <a:r>
+              <a:rPr lang="en-US" altLang="ko-KR" sz="2000">
+                <a:latin typeface="Consolas" pitchFamily="49" charset="0"/>
+                <a:cs typeface="Consolas" pitchFamily="49" charset="0"/>
+              </a:rPr>
+              <a:t>color flip</a:t>
+            </a:r>
+          </a:p>
+          <a:p>
+            <a:r>
+              <a:rPr lang="en-US" altLang="ko-KR" sz="2000">
+                <a:latin typeface="Consolas" pitchFamily="49" charset="0"/>
+                <a:cs typeface="Consolas" pitchFamily="49" charset="0"/>
+              </a:rPr>
+              <a:t>rb_rotate_left(gparent)</a:t>
+            </a:r>
+            <a:endParaRPr lang="ko-KR" altLang="en-US" sz="2000">
+              <a:latin typeface="Consolas" pitchFamily="49" charset="0"/>
+              <a:cs typeface="Consolas" pitchFamily="49" charset="0"/>
+            </a:endParaRPr>
+          </a:p>
+        </p:txBody>
+      </p:sp>
+    </p:spTree>
+    <p:extLst>
+      <p:ext uri="{BB962C8B-B14F-4D97-AF65-F5344CB8AC3E}">
+        <p14:creationId xmlns:p14="http://schemas.microsoft.com/office/powerpoint/2010/main" val="2816335014"/>
+      </p:ext>
+    </p:extLst>
+  </p:cSld>
+  <p:clrMapOvr>
+    <a:masterClrMapping/>
+  </p:clrMapOvr>
+</p:sld>
+</file>
+
+<file path=ppt/slides/slide18.xml><?xml version="1.0" encoding="utf-8"?>
+<p:sld xmlns:a="http://schemas.openxmlformats.org/drawingml/2006/main" xmlns:r="http://schemas.openxmlformats.org/officeDocument/2006/relationships" xmlns:p="http://schemas.openxmlformats.org/presentationml/2006/main">
+  <p:cSld>
+    <p:spTree>
+      <p:nvGrpSpPr>
+        <p:cNvPr id="1" name=""/>
+        <p:cNvGrpSpPr/>
+        <p:nvPr/>
+      </p:nvGrpSpPr>
+      <p:grpSpPr>
+        <a:xfrm>
+          <a:off x="0" y="0"/>
+          <a:ext cx="0" cy="0"/>
+          <a:chOff x="0" y="0"/>
+          <a:chExt cx="0" cy="0"/>
+        </a:xfrm>
+      </p:grpSpPr>
+      <p:sp>
+        <p:nvSpPr>
+          <p:cNvPr id="4" name="타원 3">
+            <a:extLst>
+              <a:ext uri="{FF2B5EF4-FFF2-40B4-BE49-F238E27FC236}">
+                <a16:creationId xmlns:a16="http://schemas.microsoft.com/office/drawing/2014/main" id="{6AC6BED3-E839-4250-BC8B-C1639C0D939E}"/>
+              </a:ext>
+            </a:extLst>
+          </p:cNvPr>
+          <p:cNvSpPr/>
+          <p:nvPr/>
+        </p:nvSpPr>
+        <p:spPr>
+          <a:xfrm>
+            <a:off x="1331640" y="404664"/>
+            <a:ext cx="432048" cy="432048"/>
+          </a:xfrm>
+          <a:prstGeom prst="ellipse">
+            <a:avLst/>
+          </a:prstGeom>
+          <a:solidFill>
+            <a:schemeClr val="tx1"/>
+          </a:solidFill>
+          <a:ln w="9525"/>
+        </p:spPr>
+        <p:style>
+          <a:lnRef idx="2">
+            <a:schemeClr val="accent1">
+              <a:shade val="50000"/>
+            </a:schemeClr>
+          </a:lnRef>
+          <a:fillRef idx="1">
+            <a:schemeClr val="accent1"/>
+          </a:fillRef>
+          <a:effectRef idx="0">
+            <a:schemeClr val="accent1"/>
+          </a:effectRef>
+          <a:fontRef idx="minor">
+            <a:schemeClr val="lt1"/>
+          </a:fontRef>
+        </p:style>
+        <p:txBody>
+          <a:bodyPr rot="0" spcFirstLastPara="0" vertOverflow="overflow" horzOverflow="overflow" vert="horz" wrap="square" lIns="91440" tIns="45720" rIns="91440" bIns="45720" numCol="1" spcCol="0" rtlCol="0" fromWordArt="0" anchor="ctr" anchorCtr="0" forceAA="0" compatLnSpc="1">
+            <a:prstTxWarp prst="textNoShape">
+              <a:avLst/>
+            </a:prstTxWarp>
+            <a:noAutofit/>
+          </a:bodyPr>
+          <a:lstStyle/>
+          <a:p>
+            <a:pPr algn="ctr"/>
+            <a:r>
+              <a:rPr lang="en-US" altLang="ko-KR" sz="2000" b="1">
+                <a:solidFill>
+                  <a:schemeClr val="bg1"/>
+                </a:solidFill>
+                <a:latin typeface="Consolas" pitchFamily="49" charset="0"/>
+                <a:cs typeface="Consolas" pitchFamily="49" charset="0"/>
+              </a:rPr>
+              <a:t>3</a:t>
+            </a:r>
+            <a:endParaRPr lang="ko-KR" altLang="en-US" sz="2000" b="1">
+              <a:solidFill>
+                <a:schemeClr val="bg1"/>
+              </a:solidFill>
+              <a:latin typeface="Consolas" pitchFamily="49" charset="0"/>
+              <a:cs typeface="Consolas" pitchFamily="49" charset="0"/>
+            </a:endParaRPr>
+          </a:p>
+        </p:txBody>
+      </p:sp>
+      <p:sp>
+        <p:nvSpPr>
+          <p:cNvPr id="5" name="타원 4">
+            <a:extLst>
+              <a:ext uri="{FF2B5EF4-FFF2-40B4-BE49-F238E27FC236}">
+                <a16:creationId xmlns:a16="http://schemas.microsoft.com/office/drawing/2014/main" id="{3A0CA741-1B82-438B-ADD8-7D4F9D5DAFD6}"/>
+              </a:ext>
+            </a:extLst>
+          </p:cNvPr>
+          <p:cNvSpPr/>
+          <p:nvPr/>
+        </p:nvSpPr>
+        <p:spPr>
+          <a:xfrm>
+            <a:off x="395536" y="1130841"/>
+            <a:ext cx="432048" cy="432048"/>
+          </a:xfrm>
+          <a:prstGeom prst="ellipse">
+            <a:avLst/>
+          </a:prstGeom>
+          <a:solidFill>
+            <a:srgbClr val="FF0000"/>
+          </a:solidFill>
+          <a:ln w="9525"/>
+        </p:spPr>
+        <p:style>
+          <a:lnRef idx="2">
+            <a:schemeClr val="accent1">
+              <a:shade val="50000"/>
+            </a:schemeClr>
+          </a:lnRef>
+          <a:fillRef idx="1">
+            <a:schemeClr val="accent1"/>
+          </a:fillRef>
+          <a:effectRef idx="0">
+            <a:schemeClr val="accent1"/>
+          </a:effectRef>
+          <a:fontRef idx="minor">
+            <a:schemeClr val="lt1"/>
+          </a:fontRef>
+        </p:style>
+        <p:txBody>
+          <a:bodyPr rot="0" spcFirstLastPara="0" vertOverflow="overflow" horzOverflow="overflow" vert="horz" wrap="square" lIns="91440" tIns="45720" rIns="91440" bIns="45720" numCol="1" spcCol="0" rtlCol="0" fromWordArt="0" anchor="ctr" anchorCtr="0" forceAA="0" compatLnSpc="1">
+            <a:prstTxWarp prst="textNoShape">
+              <a:avLst/>
+            </a:prstTxWarp>
+            <a:noAutofit/>
+          </a:bodyPr>
+          <a:lstStyle/>
+          <a:p>
+            <a:pPr algn="ctr"/>
+            <a:r>
+              <a:rPr lang="en-US" altLang="ko-KR" sz="2000" b="1">
+                <a:solidFill>
+                  <a:schemeClr val="bg1"/>
+                </a:solidFill>
+                <a:latin typeface="Consolas" pitchFamily="49" charset="0"/>
+                <a:cs typeface="Consolas" pitchFamily="49" charset="0"/>
+              </a:rPr>
+              <a:t>1</a:t>
+            </a:r>
+            <a:endParaRPr lang="ko-KR" altLang="en-US" sz="2000" b="1">
+              <a:solidFill>
+                <a:schemeClr val="bg1"/>
+              </a:solidFill>
+              <a:latin typeface="Consolas" pitchFamily="49" charset="0"/>
+              <a:cs typeface="Consolas" pitchFamily="49" charset="0"/>
+            </a:endParaRPr>
+          </a:p>
+        </p:txBody>
+      </p:sp>
+      <p:sp>
+        <p:nvSpPr>
+          <p:cNvPr id="6" name="타원 5">
+            <a:extLst>
+              <a:ext uri="{FF2B5EF4-FFF2-40B4-BE49-F238E27FC236}">
+                <a16:creationId xmlns:a16="http://schemas.microsoft.com/office/drawing/2014/main" id="{2AB9E924-28A5-4B37-8D8F-495A29E37D4C}"/>
+              </a:ext>
+            </a:extLst>
+          </p:cNvPr>
+          <p:cNvSpPr/>
+          <p:nvPr/>
+        </p:nvSpPr>
+        <p:spPr>
+          <a:xfrm>
+            <a:off x="939964" y="1700808"/>
+            <a:ext cx="432048" cy="432048"/>
+          </a:xfrm>
+          <a:prstGeom prst="ellipse">
+            <a:avLst/>
+          </a:prstGeom>
+          <a:solidFill>
+            <a:srgbClr val="FF0000"/>
+          </a:solidFill>
+          <a:ln w="9525"/>
+        </p:spPr>
+        <p:style>
+          <a:lnRef idx="2">
+            <a:schemeClr val="accent1">
+              <a:shade val="50000"/>
+            </a:schemeClr>
+          </a:lnRef>
+          <a:fillRef idx="1">
+            <a:schemeClr val="accent1"/>
+          </a:fillRef>
+          <a:effectRef idx="0">
+            <a:schemeClr val="accent1"/>
+          </a:effectRef>
+          <a:fontRef idx="minor">
+            <a:schemeClr val="lt1"/>
+          </a:fontRef>
+        </p:style>
+        <p:txBody>
+          <a:bodyPr rot="0" spcFirstLastPara="0" vertOverflow="overflow" horzOverflow="overflow" vert="horz" wrap="square" lIns="91440" tIns="45720" rIns="91440" bIns="45720" numCol="1" spcCol="0" rtlCol="0" fromWordArt="0" anchor="ctr" anchorCtr="0" forceAA="0" compatLnSpc="1">
+            <a:prstTxWarp prst="textNoShape">
+              <a:avLst/>
+            </a:prstTxWarp>
+            <a:noAutofit/>
+          </a:bodyPr>
+          <a:lstStyle/>
+          <a:p>
+            <a:pPr algn="ctr"/>
+            <a:r>
+              <a:rPr lang="en-US" altLang="ko-KR" sz="2000" b="1">
+                <a:solidFill>
+                  <a:schemeClr val="bg1"/>
+                </a:solidFill>
+                <a:latin typeface="Consolas" pitchFamily="49" charset="0"/>
+                <a:cs typeface="Consolas" pitchFamily="49" charset="0"/>
+              </a:rPr>
+              <a:t>2</a:t>
+            </a:r>
+            <a:endParaRPr lang="ko-KR" altLang="en-US" sz="2000" b="1">
+              <a:solidFill>
+                <a:schemeClr val="bg1"/>
+              </a:solidFill>
+              <a:latin typeface="Consolas" pitchFamily="49" charset="0"/>
+              <a:cs typeface="Consolas" pitchFamily="49" charset="0"/>
+            </a:endParaRPr>
+          </a:p>
+        </p:txBody>
+      </p:sp>
+      <p:cxnSp>
+        <p:nvCxnSpPr>
+          <p:cNvPr id="8" name="직선 연결선 7">
+            <a:extLst>
+              <a:ext uri="{FF2B5EF4-FFF2-40B4-BE49-F238E27FC236}">
+                <a16:creationId xmlns:a16="http://schemas.microsoft.com/office/drawing/2014/main" id="{B0E1C550-61AE-41CC-926E-EEF55EC962CD}"/>
+              </a:ext>
+            </a:extLst>
+          </p:cNvPr>
+          <p:cNvCxnSpPr>
+            <a:cxnSpLocks/>
+            <a:stCxn id="4" idx="3"/>
+            <a:endCxn id="5" idx="0"/>
+          </p:cNvCxnSpPr>
+          <p:nvPr/>
+        </p:nvCxnSpPr>
+        <p:spPr>
+          <a:xfrm flipH="1">
+            <a:off x="611560" y="773440"/>
+            <a:ext cx="783352" cy="357401"/>
+          </a:xfrm>
+          <a:prstGeom prst="line">
+            <a:avLst/>
+          </a:prstGeom>
+          <a:ln w="19050">
+            <a:solidFill>
+              <a:schemeClr val="tx1"/>
+            </a:solidFill>
+          </a:ln>
+        </p:spPr>
+        <p:style>
+          <a:lnRef idx="1">
+            <a:schemeClr val="accent1"/>
+          </a:lnRef>
+          <a:fillRef idx="0">
+            <a:schemeClr val="accent1"/>
+          </a:fillRef>
+          <a:effectRef idx="0">
+            <a:schemeClr val="accent1"/>
+          </a:effectRef>
+          <a:fontRef idx="minor">
+            <a:schemeClr val="tx1"/>
+          </a:fontRef>
+        </p:style>
+      </p:cxnSp>
+      <p:cxnSp>
+        <p:nvCxnSpPr>
+          <p:cNvPr id="9" name="직선 연결선 8">
+            <a:extLst>
+              <a:ext uri="{FF2B5EF4-FFF2-40B4-BE49-F238E27FC236}">
+                <a16:creationId xmlns:a16="http://schemas.microsoft.com/office/drawing/2014/main" id="{EEF292CA-E9B6-4632-8284-EA0ADCDF024A}"/>
+              </a:ext>
+            </a:extLst>
+          </p:cNvPr>
+          <p:cNvCxnSpPr>
+            <a:cxnSpLocks/>
+            <a:stCxn id="5" idx="5"/>
+            <a:endCxn id="6" idx="0"/>
+          </p:cNvCxnSpPr>
+          <p:nvPr/>
+        </p:nvCxnSpPr>
+        <p:spPr>
+          <a:xfrm>
+            <a:off x="764312" y="1499617"/>
+            <a:ext cx="391676" cy="201191"/>
+          </a:xfrm>
+          <a:prstGeom prst="line">
+            <a:avLst/>
+          </a:prstGeom>
+          <a:ln w="19050">
+            <a:solidFill>
+              <a:schemeClr val="tx1"/>
+            </a:solidFill>
+          </a:ln>
+        </p:spPr>
+        <p:style>
+          <a:lnRef idx="1">
+            <a:schemeClr val="accent1"/>
+          </a:lnRef>
+          <a:fillRef idx="0">
+            <a:schemeClr val="accent1"/>
+          </a:fillRef>
+          <a:effectRef idx="0">
+            <a:schemeClr val="accent1"/>
+          </a:effectRef>
+          <a:fontRef idx="minor">
+            <a:schemeClr val="tx1"/>
+          </a:fontRef>
+        </p:style>
+      </p:cxnSp>
+      <p:sp>
+        <p:nvSpPr>
+          <p:cNvPr id="12" name="TextBox 11">
+            <a:extLst>
+              <a:ext uri="{FF2B5EF4-FFF2-40B4-BE49-F238E27FC236}">
+                <a16:creationId xmlns:a16="http://schemas.microsoft.com/office/drawing/2014/main" id="{3D30E48F-A42F-4366-8772-7EAE2F42B963}"/>
+              </a:ext>
+            </a:extLst>
+          </p:cNvPr>
+          <p:cNvSpPr txBox="1"/>
+          <p:nvPr/>
+        </p:nvSpPr>
+        <p:spPr>
+          <a:xfrm>
+            <a:off x="4932040" y="65554"/>
+            <a:ext cx="1454244" cy="1015663"/>
+          </a:xfrm>
+          <a:prstGeom prst="rect">
+            <a:avLst/>
+          </a:prstGeom>
+          <a:noFill/>
+        </p:spPr>
+        <p:txBody>
+          <a:bodyPr wrap="none" rtlCol="0">
+            <a:spAutoFit/>
+          </a:bodyPr>
+          <a:lstStyle/>
+          <a:p>
+            <a:r>
+              <a:rPr lang="en-US" altLang="ko-KR" sz="2000">
+                <a:latin typeface="Consolas" pitchFamily="49" charset="0"/>
+                <a:cs typeface="Consolas" pitchFamily="49" charset="0"/>
+              </a:rPr>
+              <a:t>3 - 1 - 2</a:t>
+            </a:r>
+          </a:p>
+          <a:p>
+            <a:r>
+              <a:rPr lang="en-US" altLang="ko-KR" sz="2000">
+                <a:latin typeface="Consolas" pitchFamily="49" charset="0"/>
+                <a:cs typeface="Consolas" pitchFamily="49" charset="0"/>
+              </a:rPr>
+              <a:t>3 - 2 - 1</a:t>
+            </a:r>
+          </a:p>
+          <a:p>
+            <a:r>
+              <a:rPr lang="en-US" altLang="ko-KR" sz="2000">
+                <a:latin typeface="Consolas" pitchFamily="49" charset="0"/>
+                <a:cs typeface="Consolas" pitchFamily="49" charset="0"/>
+              </a:rPr>
+              <a:t>2 - 1 - 3</a:t>
+            </a:r>
+            <a:endParaRPr lang="ko-KR" altLang="en-US" sz="2000">
+              <a:latin typeface="Consolas" pitchFamily="49" charset="0"/>
+              <a:cs typeface="Consolas" pitchFamily="49" charset="0"/>
+            </a:endParaRPr>
+          </a:p>
+        </p:txBody>
+      </p:sp>
+      <p:sp>
+        <p:nvSpPr>
+          <p:cNvPr id="18" name="TextBox 17">
+            <a:extLst>
+              <a:ext uri="{FF2B5EF4-FFF2-40B4-BE49-F238E27FC236}">
+                <a16:creationId xmlns:a16="http://schemas.microsoft.com/office/drawing/2014/main" id="{97877A57-BE2E-40B1-BADE-BB3459E69824}"/>
+              </a:ext>
+            </a:extLst>
+          </p:cNvPr>
+          <p:cNvSpPr txBox="1"/>
+          <p:nvPr/>
+        </p:nvSpPr>
+        <p:spPr>
+          <a:xfrm>
+            <a:off x="939964" y="1015714"/>
+            <a:ext cx="1031051" cy="400110"/>
+          </a:xfrm>
+          <a:prstGeom prst="rect">
+            <a:avLst/>
+          </a:prstGeom>
+          <a:noFill/>
+        </p:spPr>
+        <p:txBody>
+          <a:bodyPr wrap="none" rtlCol="0">
+            <a:spAutoFit/>
+          </a:bodyPr>
+          <a:lstStyle/>
+          <a:p>
+            <a:r>
+              <a:rPr lang="en-US" altLang="ko-KR" sz="2000">
+                <a:latin typeface="Consolas" pitchFamily="49" charset="0"/>
+                <a:cs typeface="Consolas" pitchFamily="49" charset="0"/>
+              </a:rPr>
+              <a:t>parent</a:t>
+            </a:r>
+            <a:endParaRPr lang="ko-KR" altLang="en-US" sz="2000">
+              <a:latin typeface="Consolas" pitchFamily="49" charset="0"/>
+              <a:cs typeface="Consolas" pitchFamily="49" charset="0"/>
+            </a:endParaRPr>
+          </a:p>
+        </p:txBody>
+      </p:sp>
+      <p:sp>
+        <p:nvSpPr>
+          <p:cNvPr id="29" name="TextBox 28">
+            <a:extLst>
+              <a:ext uri="{FF2B5EF4-FFF2-40B4-BE49-F238E27FC236}">
+                <a16:creationId xmlns:a16="http://schemas.microsoft.com/office/drawing/2014/main" id="{935E468E-42D1-4121-855E-8AFA1908A049}"/>
+              </a:ext>
+            </a:extLst>
+          </p:cNvPr>
+          <p:cNvSpPr txBox="1"/>
+          <p:nvPr/>
+        </p:nvSpPr>
+        <p:spPr>
+          <a:xfrm>
+            <a:off x="5377708" y="2781672"/>
+            <a:ext cx="3288080" cy="400110"/>
+          </a:xfrm>
+          <a:prstGeom prst="rect">
+            <a:avLst/>
+          </a:prstGeom>
+          <a:noFill/>
+        </p:spPr>
+        <p:txBody>
+          <a:bodyPr wrap="none" rtlCol="0">
+            <a:spAutoFit/>
+          </a:bodyPr>
+          <a:lstStyle/>
+          <a:p>
+            <a:r>
+              <a:rPr lang="en-US" altLang="ko-KR" sz="2000">
+                <a:latin typeface="Consolas" pitchFamily="49" charset="0"/>
+                <a:cs typeface="Consolas" pitchFamily="49" charset="0"/>
+              </a:rPr>
+              <a:t>rb_rotate_left(parent)</a:t>
+            </a:r>
+            <a:endParaRPr lang="ko-KR" altLang="en-US" sz="2000">
+              <a:latin typeface="Consolas" pitchFamily="49" charset="0"/>
+              <a:cs typeface="Consolas" pitchFamily="49" charset="0"/>
+            </a:endParaRPr>
+          </a:p>
+        </p:txBody>
+      </p:sp>
+      <p:sp>
+        <p:nvSpPr>
+          <p:cNvPr id="37" name="타원 36">
+            <a:extLst>
+              <a:ext uri="{FF2B5EF4-FFF2-40B4-BE49-F238E27FC236}">
+                <a16:creationId xmlns:a16="http://schemas.microsoft.com/office/drawing/2014/main" id="{A105849A-74E3-4C5F-A698-880311B1D59F}"/>
+              </a:ext>
+            </a:extLst>
+          </p:cNvPr>
+          <p:cNvSpPr/>
+          <p:nvPr/>
+        </p:nvSpPr>
+        <p:spPr>
+          <a:xfrm>
+            <a:off x="5056564" y="5335398"/>
+            <a:ext cx="432048" cy="432048"/>
+          </a:xfrm>
+          <a:prstGeom prst="ellipse">
+            <a:avLst/>
+          </a:prstGeom>
+          <a:solidFill>
+            <a:srgbClr val="FF0000"/>
+          </a:solidFill>
+          <a:ln w="9525"/>
+        </p:spPr>
+        <p:style>
+          <a:lnRef idx="2">
+            <a:schemeClr val="accent1">
+              <a:shade val="50000"/>
+            </a:schemeClr>
+          </a:lnRef>
+          <a:fillRef idx="1">
+            <a:schemeClr val="accent1"/>
+          </a:fillRef>
+          <a:effectRef idx="0">
+            <a:schemeClr val="accent1"/>
+          </a:effectRef>
+          <a:fontRef idx="minor">
+            <a:schemeClr val="lt1"/>
+          </a:fontRef>
+        </p:style>
+        <p:txBody>
+          <a:bodyPr rot="0" spcFirstLastPara="0" vertOverflow="overflow" horzOverflow="overflow" vert="horz" wrap="square" lIns="91440" tIns="45720" rIns="91440" bIns="45720" numCol="1" spcCol="0" rtlCol="0" fromWordArt="0" anchor="ctr" anchorCtr="0" forceAA="0" compatLnSpc="1">
+            <a:prstTxWarp prst="textNoShape">
+              <a:avLst/>
+            </a:prstTxWarp>
+            <a:noAutofit/>
+          </a:bodyPr>
+          <a:lstStyle/>
+          <a:p>
+            <a:pPr algn="ctr"/>
+            <a:r>
+              <a:rPr lang="en-US" altLang="ko-KR" sz="2000" b="1">
+                <a:solidFill>
+                  <a:schemeClr val="bg1"/>
+                </a:solidFill>
+                <a:latin typeface="Consolas" pitchFamily="49" charset="0"/>
+                <a:cs typeface="Consolas" pitchFamily="49" charset="0"/>
+              </a:rPr>
+              <a:t>1</a:t>
+            </a:r>
+            <a:endParaRPr lang="ko-KR" altLang="en-US" sz="2000" b="1">
+              <a:solidFill>
+                <a:schemeClr val="bg1"/>
+              </a:solidFill>
+              <a:latin typeface="Consolas" pitchFamily="49" charset="0"/>
+              <a:cs typeface="Consolas" pitchFamily="49" charset="0"/>
+            </a:endParaRPr>
+          </a:p>
+        </p:txBody>
+      </p:sp>
+      <p:sp>
+        <p:nvSpPr>
+          <p:cNvPr id="38" name="타원 37">
+            <a:extLst>
+              <a:ext uri="{FF2B5EF4-FFF2-40B4-BE49-F238E27FC236}">
+                <a16:creationId xmlns:a16="http://schemas.microsoft.com/office/drawing/2014/main" id="{535DA3A9-F9A2-41D8-B851-7681AE45CF07}"/>
+              </a:ext>
+            </a:extLst>
+          </p:cNvPr>
+          <p:cNvSpPr/>
+          <p:nvPr/>
+        </p:nvSpPr>
+        <p:spPr>
+          <a:xfrm>
+            <a:off x="6467108" y="5338680"/>
+            <a:ext cx="432048" cy="432048"/>
+          </a:xfrm>
+          <a:prstGeom prst="ellipse">
+            <a:avLst/>
+          </a:prstGeom>
+          <a:solidFill>
+            <a:srgbClr val="FF0000"/>
+          </a:solidFill>
+          <a:ln w="9525"/>
+        </p:spPr>
+        <p:style>
+          <a:lnRef idx="2">
+            <a:schemeClr val="accent1">
+              <a:shade val="50000"/>
+            </a:schemeClr>
+          </a:lnRef>
+          <a:fillRef idx="1">
+            <a:schemeClr val="accent1"/>
+          </a:fillRef>
+          <a:effectRef idx="0">
+            <a:schemeClr val="accent1"/>
+          </a:effectRef>
+          <a:fontRef idx="minor">
+            <a:schemeClr val="lt1"/>
+          </a:fontRef>
+        </p:style>
+        <p:txBody>
+          <a:bodyPr rot="0" spcFirstLastPara="0" vertOverflow="overflow" horzOverflow="overflow" vert="horz" wrap="square" lIns="91440" tIns="45720" rIns="91440" bIns="45720" numCol="1" spcCol="0" rtlCol="0" fromWordArt="0" anchor="ctr" anchorCtr="0" forceAA="0" compatLnSpc="1">
+            <a:prstTxWarp prst="textNoShape">
+              <a:avLst/>
+            </a:prstTxWarp>
+            <a:noAutofit/>
+          </a:bodyPr>
+          <a:lstStyle/>
+          <a:p>
+            <a:pPr algn="ctr"/>
+            <a:r>
+              <a:rPr lang="en-US" altLang="ko-KR" sz="2000" b="1">
+                <a:solidFill>
+                  <a:schemeClr val="bg1"/>
+                </a:solidFill>
+                <a:latin typeface="Consolas" pitchFamily="49" charset="0"/>
+                <a:cs typeface="Consolas" pitchFamily="49" charset="0"/>
+              </a:rPr>
+              <a:t>3</a:t>
+            </a:r>
+            <a:endParaRPr lang="ko-KR" altLang="en-US" sz="2000" b="1">
+              <a:solidFill>
+                <a:schemeClr val="bg1"/>
+              </a:solidFill>
+              <a:latin typeface="Consolas" pitchFamily="49" charset="0"/>
+              <a:cs typeface="Consolas" pitchFamily="49" charset="0"/>
+            </a:endParaRPr>
+          </a:p>
+        </p:txBody>
+      </p:sp>
+      <p:sp>
+        <p:nvSpPr>
+          <p:cNvPr id="39" name="타원 38">
+            <a:extLst>
+              <a:ext uri="{FF2B5EF4-FFF2-40B4-BE49-F238E27FC236}">
+                <a16:creationId xmlns:a16="http://schemas.microsoft.com/office/drawing/2014/main" id="{EF6E2CB3-DA02-44E7-A65F-3F2607C226E2}"/>
+              </a:ext>
+            </a:extLst>
+          </p:cNvPr>
+          <p:cNvSpPr/>
+          <p:nvPr/>
+        </p:nvSpPr>
+        <p:spPr>
+          <a:xfrm>
+            <a:off x="5796136" y="4735046"/>
+            <a:ext cx="432048" cy="432048"/>
+          </a:xfrm>
+          <a:prstGeom prst="ellipse">
+            <a:avLst/>
+          </a:prstGeom>
+          <a:solidFill>
+            <a:schemeClr val="tx1"/>
+          </a:solidFill>
+          <a:ln w="9525"/>
+        </p:spPr>
+        <p:style>
+          <a:lnRef idx="2">
+            <a:schemeClr val="accent1">
+              <a:shade val="50000"/>
+            </a:schemeClr>
+          </a:lnRef>
+          <a:fillRef idx="1">
+            <a:schemeClr val="accent1"/>
+          </a:fillRef>
+          <a:effectRef idx="0">
+            <a:schemeClr val="accent1"/>
+          </a:effectRef>
+          <a:fontRef idx="minor">
+            <a:schemeClr val="lt1"/>
+          </a:fontRef>
+        </p:style>
+        <p:txBody>
+          <a:bodyPr rot="0" spcFirstLastPara="0" vertOverflow="overflow" horzOverflow="overflow" vert="horz" wrap="square" lIns="91440" tIns="45720" rIns="91440" bIns="45720" numCol="1" spcCol="0" rtlCol="0" fromWordArt="0" anchor="ctr" anchorCtr="0" forceAA="0" compatLnSpc="1">
+            <a:prstTxWarp prst="textNoShape">
+              <a:avLst/>
+            </a:prstTxWarp>
+            <a:noAutofit/>
+          </a:bodyPr>
+          <a:lstStyle/>
+          <a:p>
+            <a:pPr algn="ctr"/>
+            <a:r>
+              <a:rPr lang="en-US" altLang="ko-KR" sz="2000" b="1">
+                <a:solidFill>
+                  <a:schemeClr val="bg1"/>
+                </a:solidFill>
+                <a:latin typeface="Consolas" pitchFamily="49" charset="0"/>
+                <a:cs typeface="Consolas" pitchFamily="49" charset="0"/>
+              </a:rPr>
+              <a:t>2</a:t>
+            </a:r>
+            <a:endParaRPr lang="ko-KR" altLang="en-US" sz="2000" b="1">
+              <a:solidFill>
+                <a:schemeClr val="bg1"/>
+              </a:solidFill>
+              <a:latin typeface="Consolas" pitchFamily="49" charset="0"/>
+              <a:cs typeface="Consolas" pitchFamily="49" charset="0"/>
+            </a:endParaRPr>
+          </a:p>
+        </p:txBody>
+      </p:sp>
+      <p:cxnSp>
+        <p:nvCxnSpPr>
+          <p:cNvPr id="40" name="직선 연결선 39">
+            <a:extLst>
+              <a:ext uri="{FF2B5EF4-FFF2-40B4-BE49-F238E27FC236}">
+                <a16:creationId xmlns:a16="http://schemas.microsoft.com/office/drawing/2014/main" id="{E41EEF66-CF8E-49EE-838B-8A62045A206F}"/>
+              </a:ext>
+            </a:extLst>
+          </p:cNvPr>
+          <p:cNvCxnSpPr>
+            <a:cxnSpLocks/>
+            <a:stCxn id="37" idx="0"/>
+            <a:endCxn id="39" idx="3"/>
+          </p:cNvCxnSpPr>
+          <p:nvPr/>
+        </p:nvCxnSpPr>
+        <p:spPr>
+          <a:xfrm flipV="1">
+            <a:off x="5272588" y="5103822"/>
+            <a:ext cx="586820" cy="231576"/>
+          </a:xfrm>
+          <a:prstGeom prst="line">
+            <a:avLst/>
+          </a:prstGeom>
+          <a:ln w="19050">
+            <a:solidFill>
+              <a:schemeClr val="tx1"/>
+            </a:solidFill>
+          </a:ln>
+        </p:spPr>
+        <p:style>
+          <a:lnRef idx="1">
+            <a:schemeClr val="accent1"/>
+          </a:lnRef>
+          <a:fillRef idx="0">
+            <a:schemeClr val="accent1"/>
+          </a:fillRef>
+          <a:effectRef idx="0">
+            <a:schemeClr val="accent1"/>
+          </a:effectRef>
+          <a:fontRef idx="minor">
+            <a:schemeClr val="tx1"/>
+          </a:fontRef>
+        </p:style>
+      </p:cxnSp>
+      <p:cxnSp>
+        <p:nvCxnSpPr>
+          <p:cNvPr id="41" name="직선 연결선 40">
+            <a:extLst>
+              <a:ext uri="{FF2B5EF4-FFF2-40B4-BE49-F238E27FC236}">
+                <a16:creationId xmlns:a16="http://schemas.microsoft.com/office/drawing/2014/main" id="{0E89C7A4-2FFD-4C5E-BCB8-2A24BD787E3F}"/>
+              </a:ext>
+            </a:extLst>
+          </p:cNvPr>
+          <p:cNvCxnSpPr>
+            <a:cxnSpLocks/>
+            <a:stCxn id="38" idx="0"/>
+            <a:endCxn id="39" idx="5"/>
+          </p:cNvCxnSpPr>
+          <p:nvPr/>
+        </p:nvCxnSpPr>
+        <p:spPr>
+          <a:xfrm flipH="1" flipV="1">
+            <a:off x="6164912" y="5103822"/>
+            <a:ext cx="518220" cy="234858"/>
+          </a:xfrm>
+          <a:prstGeom prst="line">
+            <a:avLst/>
+          </a:prstGeom>
+          <a:ln w="19050">
+            <a:solidFill>
+              <a:schemeClr val="tx1"/>
+            </a:solidFill>
+          </a:ln>
+        </p:spPr>
+        <p:style>
+          <a:lnRef idx="1">
+            <a:schemeClr val="accent1"/>
+          </a:lnRef>
+          <a:fillRef idx="0">
+            <a:schemeClr val="accent1"/>
+          </a:fillRef>
+          <a:effectRef idx="0">
+            <a:schemeClr val="accent1"/>
+          </a:effectRef>
+          <a:fontRef idx="minor">
+            <a:schemeClr val="tx1"/>
+          </a:fontRef>
+        </p:style>
+      </p:cxnSp>
+      <p:sp>
+        <p:nvSpPr>
+          <p:cNvPr id="42" name="TextBox 41">
+            <a:extLst>
+              <a:ext uri="{FF2B5EF4-FFF2-40B4-BE49-F238E27FC236}">
+                <a16:creationId xmlns:a16="http://schemas.microsoft.com/office/drawing/2014/main" id="{4D34643F-630C-4291-9C0F-02A4E4844F13}"/>
+              </a:ext>
+            </a:extLst>
+          </p:cNvPr>
+          <p:cNvSpPr txBox="1"/>
+          <p:nvPr/>
+        </p:nvSpPr>
+        <p:spPr>
+          <a:xfrm>
+            <a:off x="6228184" y="4005064"/>
+            <a:ext cx="3570208" cy="707886"/>
+          </a:xfrm>
+          <a:prstGeom prst="rect">
+            <a:avLst/>
+          </a:prstGeom>
+          <a:noFill/>
+        </p:spPr>
+        <p:txBody>
+          <a:bodyPr wrap="none" rtlCol="0">
+            <a:spAutoFit/>
+          </a:bodyPr>
+          <a:lstStyle/>
+          <a:p>
+            <a:r>
+              <a:rPr lang="en-US" altLang="ko-KR" sz="2000">
+                <a:latin typeface="Consolas" pitchFamily="49" charset="0"/>
+                <a:cs typeface="Consolas" pitchFamily="49" charset="0"/>
+              </a:rPr>
+              <a:t>color flip</a:t>
+            </a:r>
+          </a:p>
+          <a:p>
+            <a:r>
+              <a:rPr lang="en-US" altLang="ko-KR" sz="2000">
+                <a:latin typeface="Consolas" pitchFamily="49" charset="0"/>
+                <a:cs typeface="Consolas" pitchFamily="49" charset="0"/>
+              </a:rPr>
+              <a:t>rb_rotate_right(gparent)</a:t>
+            </a:r>
+            <a:endParaRPr lang="ko-KR" altLang="en-US" sz="2000">
+              <a:latin typeface="Consolas" pitchFamily="49" charset="0"/>
+              <a:cs typeface="Consolas" pitchFamily="49" charset="0"/>
+            </a:endParaRPr>
+          </a:p>
+        </p:txBody>
+      </p:sp>
+      <p:sp>
+        <p:nvSpPr>
+          <p:cNvPr id="30" name="타원 29">
+            <a:extLst>
+              <a:ext uri="{FF2B5EF4-FFF2-40B4-BE49-F238E27FC236}">
+                <a16:creationId xmlns:a16="http://schemas.microsoft.com/office/drawing/2014/main" id="{35A4D40F-B5E2-47E5-9960-918B700EE4E7}"/>
+              </a:ext>
+            </a:extLst>
+          </p:cNvPr>
+          <p:cNvSpPr/>
+          <p:nvPr/>
+        </p:nvSpPr>
+        <p:spPr>
+          <a:xfrm>
+            <a:off x="3791392" y="2161456"/>
+            <a:ext cx="432048" cy="432048"/>
+          </a:xfrm>
+          <a:prstGeom prst="ellipse">
+            <a:avLst/>
+          </a:prstGeom>
+          <a:solidFill>
+            <a:schemeClr val="tx1"/>
+          </a:solidFill>
+          <a:ln w="9525"/>
+        </p:spPr>
+        <p:style>
+          <a:lnRef idx="2">
+            <a:schemeClr val="accent1">
+              <a:shade val="50000"/>
+            </a:schemeClr>
+          </a:lnRef>
+          <a:fillRef idx="1">
+            <a:schemeClr val="accent1"/>
+          </a:fillRef>
+          <a:effectRef idx="0">
+            <a:schemeClr val="accent1"/>
+          </a:effectRef>
+          <a:fontRef idx="minor">
+            <a:schemeClr val="lt1"/>
+          </a:fontRef>
+        </p:style>
+        <p:txBody>
+          <a:bodyPr rot="0" spcFirstLastPara="0" vertOverflow="overflow" horzOverflow="overflow" vert="horz" wrap="square" lIns="91440" tIns="45720" rIns="91440" bIns="45720" numCol="1" spcCol="0" rtlCol="0" fromWordArt="0" anchor="ctr" anchorCtr="0" forceAA="0" compatLnSpc="1">
+            <a:prstTxWarp prst="textNoShape">
+              <a:avLst/>
+            </a:prstTxWarp>
+            <a:noAutofit/>
+          </a:bodyPr>
+          <a:lstStyle/>
+          <a:p>
+            <a:pPr algn="ctr"/>
+            <a:r>
+              <a:rPr lang="en-US" altLang="ko-KR" sz="2000" b="1">
+                <a:solidFill>
+                  <a:schemeClr val="bg1"/>
+                </a:solidFill>
+                <a:latin typeface="Consolas" pitchFamily="49" charset="0"/>
+                <a:cs typeface="Consolas" pitchFamily="49" charset="0"/>
+              </a:rPr>
+              <a:t>3</a:t>
+            </a:r>
+            <a:endParaRPr lang="ko-KR" altLang="en-US" sz="2000" b="1">
+              <a:solidFill>
+                <a:schemeClr val="bg1"/>
+              </a:solidFill>
+              <a:latin typeface="Consolas" pitchFamily="49" charset="0"/>
+              <a:cs typeface="Consolas" pitchFamily="49" charset="0"/>
+            </a:endParaRPr>
+          </a:p>
+        </p:txBody>
+      </p:sp>
+      <p:sp>
+        <p:nvSpPr>
+          <p:cNvPr id="31" name="타원 30">
+            <a:extLst>
+              <a:ext uri="{FF2B5EF4-FFF2-40B4-BE49-F238E27FC236}">
+                <a16:creationId xmlns:a16="http://schemas.microsoft.com/office/drawing/2014/main" id="{545463EA-6A06-4436-A6C8-9C367178ED51}"/>
+              </a:ext>
+            </a:extLst>
+          </p:cNvPr>
+          <p:cNvSpPr/>
+          <p:nvPr/>
+        </p:nvSpPr>
+        <p:spPr>
+          <a:xfrm>
+            <a:off x="2627784" y="3429000"/>
+            <a:ext cx="432048" cy="432048"/>
+          </a:xfrm>
+          <a:prstGeom prst="ellipse">
+            <a:avLst/>
+          </a:prstGeom>
+          <a:solidFill>
+            <a:srgbClr val="FF0000"/>
+          </a:solidFill>
+          <a:ln w="9525"/>
+        </p:spPr>
+        <p:style>
+          <a:lnRef idx="2">
+            <a:schemeClr val="accent1">
+              <a:shade val="50000"/>
+            </a:schemeClr>
+          </a:lnRef>
+          <a:fillRef idx="1">
+            <a:schemeClr val="accent1"/>
+          </a:fillRef>
+          <a:effectRef idx="0">
+            <a:schemeClr val="accent1"/>
+          </a:effectRef>
+          <a:fontRef idx="minor">
+            <a:schemeClr val="lt1"/>
+          </a:fontRef>
+        </p:style>
+        <p:txBody>
+          <a:bodyPr rot="0" spcFirstLastPara="0" vertOverflow="overflow" horzOverflow="overflow" vert="horz" wrap="square" lIns="91440" tIns="45720" rIns="91440" bIns="45720" numCol="1" spcCol="0" rtlCol="0" fromWordArt="0" anchor="ctr" anchorCtr="0" forceAA="0" compatLnSpc="1">
+            <a:prstTxWarp prst="textNoShape">
+              <a:avLst/>
+            </a:prstTxWarp>
+            <a:noAutofit/>
+          </a:bodyPr>
+          <a:lstStyle/>
+          <a:p>
+            <a:pPr algn="ctr"/>
+            <a:r>
+              <a:rPr lang="en-US" altLang="ko-KR" sz="2000" b="1">
+                <a:solidFill>
+                  <a:schemeClr val="bg1"/>
+                </a:solidFill>
+                <a:latin typeface="Consolas" pitchFamily="49" charset="0"/>
+                <a:cs typeface="Consolas" pitchFamily="49" charset="0"/>
+              </a:rPr>
+              <a:t>1</a:t>
+            </a:r>
+            <a:endParaRPr lang="ko-KR" altLang="en-US" sz="2000" b="1">
+              <a:solidFill>
+                <a:schemeClr val="bg1"/>
+              </a:solidFill>
+              <a:latin typeface="Consolas" pitchFamily="49" charset="0"/>
+              <a:cs typeface="Consolas" pitchFamily="49" charset="0"/>
+            </a:endParaRPr>
+          </a:p>
+        </p:txBody>
+      </p:sp>
+      <p:sp>
+        <p:nvSpPr>
+          <p:cNvPr id="32" name="타원 31">
+            <a:extLst>
+              <a:ext uri="{FF2B5EF4-FFF2-40B4-BE49-F238E27FC236}">
+                <a16:creationId xmlns:a16="http://schemas.microsoft.com/office/drawing/2014/main" id="{77AAE8A5-EFC4-475F-9E34-3A32936AE356}"/>
+              </a:ext>
+            </a:extLst>
+          </p:cNvPr>
+          <p:cNvSpPr/>
+          <p:nvPr/>
+        </p:nvSpPr>
+        <p:spPr>
+          <a:xfrm>
+            <a:off x="3203848" y="2782144"/>
+            <a:ext cx="432048" cy="432048"/>
+          </a:xfrm>
+          <a:prstGeom prst="ellipse">
+            <a:avLst/>
+          </a:prstGeom>
+          <a:solidFill>
+            <a:srgbClr val="FF0000"/>
+          </a:solidFill>
+          <a:ln w="9525"/>
+        </p:spPr>
+        <p:style>
+          <a:lnRef idx="2">
+            <a:schemeClr val="accent1">
+              <a:shade val="50000"/>
+            </a:schemeClr>
+          </a:lnRef>
+          <a:fillRef idx="1">
+            <a:schemeClr val="accent1"/>
+          </a:fillRef>
+          <a:effectRef idx="0">
+            <a:schemeClr val="accent1"/>
+          </a:effectRef>
+          <a:fontRef idx="minor">
+            <a:schemeClr val="lt1"/>
+          </a:fontRef>
+        </p:style>
+        <p:txBody>
+          <a:bodyPr rot="0" spcFirstLastPara="0" vertOverflow="overflow" horzOverflow="overflow" vert="horz" wrap="square" lIns="91440" tIns="45720" rIns="91440" bIns="45720" numCol="1" spcCol="0" rtlCol="0" fromWordArt="0" anchor="ctr" anchorCtr="0" forceAA="0" compatLnSpc="1">
+            <a:prstTxWarp prst="textNoShape">
+              <a:avLst/>
+            </a:prstTxWarp>
+            <a:noAutofit/>
+          </a:bodyPr>
+          <a:lstStyle/>
+          <a:p>
+            <a:pPr algn="ctr"/>
+            <a:r>
+              <a:rPr lang="en-US" altLang="ko-KR" sz="2000" b="1">
+                <a:solidFill>
+                  <a:schemeClr val="bg1"/>
+                </a:solidFill>
+                <a:latin typeface="Consolas" pitchFamily="49" charset="0"/>
+                <a:cs typeface="Consolas" pitchFamily="49" charset="0"/>
+              </a:rPr>
+              <a:t>2</a:t>
+            </a:r>
+            <a:endParaRPr lang="ko-KR" altLang="en-US" sz="2000" b="1">
+              <a:solidFill>
+                <a:schemeClr val="bg1"/>
+              </a:solidFill>
+              <a:latin typeface="Consolas" pitchFamily="49" charset="0"/>
+              <a:cs typeface="Consolas" pitchFamily="49" charset="0"/>
+            </a:endParaRPr>
+          </a:p>
+        </p:txBody>
+      </p:sp>
+      <p:cxnSp>
+        <p:nvCxnSpPr>
+          <p:cNvPr id="33" name="직선 연결선 32">
+            <a:extLst>
+              <a:ext uri="{FF2B5EF4-FFF2-40B4-BE49-F238E27FC236}">
+                <a16:creationId xmlns:a16="http://schemas.microsoft.com/office/drawing/2014/main" id="{5D995F81-576F-4A90-AFD6-274E1A189573}"/>
+              </a:ext>
+            </a:extLst>
+          </p:cNvPr>
+          <p:cNvCxnSpPr>
+            <a:cxnSpLocks/>
+            <a:stCxn id="30" idx="3"/>
+            <a:endCxn id="32" idx="0"/>
+          </p:cNvCxnSpPr>
+          <p:nvPr/>
+        </p:nvCxnSpPr>
+        <p:spPr>
+          <a:xfrm flipH="1">
+            <a:off x="3419872" y="2530232"/>
+            <a:ext cx="434792" cy="251912"/>
+          </a:xfrm>
+          <a:prstGeom prst="line">
+            <a:avLst/>
+          </a:prstGeom>
+          <a:ln w="19050">
+            <a:solidFill>
+              <a:schemeClr val="tx1"/>
+            </a:solidFill>
+          </a:ln>
+        </p:spPr>
+        <p:style>
+          <a:lnRef idx="1">
+            <a:schemeClr val="accent1"/>
+          </a:lnRef>
+          <a:fillRef idx="0">
+            <a:schemeClr val="accent1"/>
+          </a:fillRef>
+          <a:effectRef idx="0">
+            <a:schemeClr val="accent1"/>
+          </a:effectRef>
+          <a:fontRef idx="minor">
+            <a:schemeClr val="tx1"/>
+          </a:fontRef>
+        </p:style>
+      </p:cxnSp>
+      <p:cxnSp>
+        <p:nvCxnSpPr>
+          <p:cNvPr id="34" name="직선 연결선 33">
+            <a:extLst>
+              <a:ext uri="{FF2B5EF4-FFF2-40B4-BE49-F238E27FC236}">
+                <a16:creationId xmlns:a16="http://schemas.microsoft.com/office/drawing/2014/main" id="{246A3A87-1ECA-4D0B-9F48-02326849E404}"/>
+              </a:ext>
+            </a:extLst>
+          </p:cNvPr>
+          <p:cNvCxnSpPr>
+            <a:cxnSpLocks/>
+            <a:stCxn id="31" idx="0"/>
+            <a:endCxn id="32" idx="3"/>
+          </p:cNvCxnSpPr>
+          <p:nvPr/>
+        </p:nvCxnSpPr>
+        <p:spPr>
+          <a:xfrm flipV="1">
+            <a:off x="2843808" y="3150920"/>
+            <a:ext cx="423312" cy="278080"/>
+          </a:xfrm>
+          <a:prstGeom prst="line">
+            <a:avLst/>
+          </a:prstGeom>
+          <a:ln w="19050">
+            <a:solidFill>
+              <a:schemeClr val="tx1"/>
+            </a:solidFill>
+          </a:ln>
+        </p:spPr>
+        <p:style>
+          <a:lnRef idx="1">
+            <a:schemeClr val="accent1"/>
+          </a:lnRef>
+          <a:fillRef idx="0">
+            <a:schemeClr val="accent1"/>
+          </a:fillRef>
+          <a:effectRef idx="0">
+            <a:schemeClr val="accent1"/>
+          </a:effectRef>
+          <a:fontRef idx="minor">
+            <a:schemeClr val="tx1"/>
+          </a:fontRef>
+        </p:style>
+      </p:cxnSp>
+    </p:spTree>
+    <p:extLst>
+      <p:ext uri="{BB962C8B-B14F-4D97-AF65-F5344CB8AC3E}">
+        <p14:creationId xmlns:p14="http://schemas.microsoft.com/office/powerpoint/2010/main" val="3961162935"/>
       </p:ext>
     </p:extLst>
   </p:cSld>
